--- a/metadata_description/Logo/기술스택 및 시스템구조도 등.pptx
+++ b/metadata_description/Logo/기술스택 및 시스템구조도 등.pptx
@@ -5429,7 +5429,7 @@
         </p:nvSpPr>
         <p:spPr>
           <a:xfrm>
-            <a:off x="-589547" y="-1822868"/>
+            <a:off x="-11200784" y="1731139"/>
             <a:ext cx="10515600" cy="1325563"/>
           </a:xfrm>
         </p:spPr>
@@ -5514,7 +5514,7 @@
         </p:nvGrpSpPr>
         <p:grpSpPr>
           <a:xfrm>
-            <a:off x="2581065" y="1617783"/>
+            <a:off x="5966892" y="620793"/>
             <a:ext cx="5908743" cy="4895512"/>
             <a:chOff x="2581065" y="1312985"/>
             <a:chExt cx="5908743" cy="4895512"/>
@@ -5712,7 +5712,7 @@
         </p:nvGrpSpPr>
         <p:grpSpPr>
           <a:xfrm>
-            <a:off x="10848165" y="1804746"/>
+            <a:off x="4775612" y="7657124"/>
             <a:ext cx="5868943" cy="4403751"/>
             <a:chOff x="1844842" y="6803511"/>
             <a:chExt cx="5868943" cy="4403751"/>
@@ -6035,7 +6035,7 @@
         </p:nvGrpSpPr>
         <p:grpSpPr>
           <a:xfrm>
-            <a:off x="19147947" y="807638"/>
+            <a:off x="12934718" y="6660016"/>
             <a:ext cx="4380111" cy="5833641"/>
             <a:chOff x="19147947" y="807638"/>
             <a:chExt cx="4380111" cy="5833641"/>
@@ -6387,7 +6387,53 @@
         </p:nvSpPr>
         <p:spPr>
           <a:xfrm>
-            <a:off x="16881230" y="3866267"/>
+            <a:off x="10808677" y="9718645"/>
+            <a:ext cx="1997087" cy="841648"/>
+          </a:xfrm>
+          <a:prstGeom prst="leftRightArrow">
+            <a:avLst>
+              <a:gd name="adj1" fmla="val 59272"/>
+              <a:gd name="adj2" fmla="val 62990"/>
+            </a:avLst>
+          </a:prstGeom>
+          <a:solidFill>
+            <a:srgbClr val="0070C0"/>
+          </a:solidFill>
+        </p:spPr>
+        <p:style>
+          <a:lnRef idx="2">
+            <a:schemeClr val="accent1">
+              <a:shade val="50000"/>
+            </a:schemeClr>
+          </a:lnRef>
+          <a:fillRef idx="1">
+            <a:schemeClr val="accent1"/>
+          </a:fillRef>
+          <a:effectRef idx="0">
+            <a:schemeClr val="accent1"/>
+          </a:effectRef>
+          <a:fontRef idx="minor">
+            <a:schemeClr val="lt1"/>
+          </a:fontRef>
+        </p:style>
+        <p:txBody>
+          <a:bodyPr rtlCol="0" anchor="ctr"/>
+          <a:lstStyle/>
+          <a:p>
+            <a:pPr algn="ctr"/>
+            <a:endParaRPr lang="ko-KR" altLang="en-US"/>
+          </a:p>
+        </p:txBody>
+      </p:sp>
+      <p:sp>
+        <p:nvSpPr>
+          <p:cNvPr id="38" name="왼쪽/오른쪽 화살표 37"/>
+          <p:cNvSpPr/>
+          <p:nvPr/>
+        </p:nvSpPr>
+        <p:spPr>
+          <a:xfrm>
+            <a:off x="-3032575" y="-2211318"/>
             <a:ext cx="1997087" cy="841648"/>
           </a:xfrm>
           <a:prstGeom prst="leftRightArrow">
@@ -6427,96 +6473,243 @@
       </p:sp>
       <p:sp>
         <p:nvSpPr>
-          <p:cNvPr id="35" name="왼쪽/오른쪽 화살표 34"/>
-          <p:cNvSpPr/>
+          <p:cNvPr id="39" name="TextBox 38"/>
+          <p:cNvSpPr txBox="1"/>
           <p:nvPr/>
         </p:nvSpPr>
         <p:spPr>
           <a:xfrm>
-            <a:off x="8660810" y="3933148"/>
-            <a:ext cx="1997087" cy="841648"/>
+            <a:off x="10519146" y="9829778"/>
+            <a:ext cx="2579077" cy="646331"/>
           </a:xfrm>
-          <a:prstGeom prst="leftRightArrow">
-            <a:avLst>
-              <a:gd name="adj1" fmla="val 48129"/>
-              <a:gd name="adj2" fmla="val 62990"/>
-            </a:avLst>
+          <a:prstGeom prst="rect">
+            <a:avLst/>
           </a:prstGeom>
-          <a:solidFill>
-            <a:srgbClr val="0070C0"/>
-          </a:solidFill>
+          <a:noFill/>
         </p:spPr>
-        <p:style>
-          <a:lnRef idx="2">
-            <a:schemeClr val="accent1">
-              <a:shade val="50000"/>
-            </a:schemeClr>
-          </a:lnRef>
-          <a:fillRef idx="1">
-            <a:schemeClr val="accent1"/>
-          </a:fillRef>
-          <a:effectRef idx="0">
-            <a:schemeClr val="accent1"/>
-          </a:effectRef>
-          <a:fontRef idx="minor">
-            <a:schemeClr val="lt1"/>
-          </a:fontRef>
-        </p:style>
         <p:txBody>
-          <a:bodyPr rtlCol="0" anchor="ctr"/>
+          <a:bodyPr wrap="square" rtlCol="0">
+            <a:spAutoFit/>
+          </a:bodyPr>
           <a:lstStyle/>
           <a:p>
             <a:pPr algn="ctr"/>
-            <a:endParaRPr lang="ko-KR" altLang="en-US"/>
+            <a:r>
+              <a:rPr lang="en-US" altLang="ko-KR" sz="3600" b="1" dirty="0" smtClean="0">
+                <a:solidFill>
+                  <a:schemeClr val="bg1"/>
+                </a:solidFill>
+              </a:rPr>
+              <a:t>DTO</a:t>
+            </a:r>
+            <a:endParaRPr lang="ko-KR" altLang="en-US" sz="3600" b="1" dirty="0">
+              <a:solidFill>
+                <a:schemeClr val="bg1"/>
+              </a:solidFill>
+            </a:endParaRPr>
           </a:p>
         </p:txBody>
       </p:sp>
-      <p:sp>
-        <p:nvSpPr>
-          <p:cNvPr id="38" name="왼쪽/오른쪽 화살표 37"/>
-          <p:cNvSpPr/>
+      <p:grpSp>
+        <p:nvGrpSpPr>
+          <p:cNvPr id="3" name="그룹 2"/>
+          <p:cNvGrpSpPr/>
           <p:nvPr/>
-        </p:nvSpPr>
-        <p:spPr>
+        </p:nvGrpSpPr>
+        <p:grpSpPr>
           <a:xfrm>
-            <a:off x="230531" y="4000029"/>
-            <a:ext cx="1997087" cy="841648"/>
+            <a:off x="8500441" y="5286018"/>
+            <a:ext cx="841648" cy="2579077"/>
+            <a:chOff x="8500441" y="4981220"/>
+            <a:chExt cx="841648" cy="2579077"/>
           </a:xfrm>
-          <a:prstGeom prst="leftRightArrow">
-            <a:avLst>
-              <a:gd name="adj1" fmla="val 48129"/>
-              <a:gd name="adj2" fmla="val 62990"/>
-            </a:avLst>
-          </a:prstGeom>
-          <a:solidFill>
-            <a:srgbClr val="0070C0"/>
-          </a:solidFill>
-        </p:spPr>
-        <p:style>
-          <a:lnRef idx="2">
-            <a:schemeClr val="accent1">
-              <a:shade val="50000"/>
-            </a:schemeClr>
-          </a:lnRef>
-          <a:fillRef idx="1">
-            <a:schemeClr val="accent1"/>
-          </a:fillRef>
-          <a:effectRef idx="0">
-            <a:schemeClr val="accent1"/>
-          </a:effectRef>
-          <a:fontRef idx="minor">
-            <a:schemeClr val="lt1"/>
-          </a:fontRef>
-        </p:style>
-        <p:txBody>
-          <a:bodyPr rtlCol="0" anchor="ctr"/>
-          <a:lstStyle/>
-          <a:p>
-            <a:pPr algn="ctr"/>
-            <a:endParaRPr lang="ko-KR" altLang="en-US"/>
-          </a:p>
-        </p:txBody>
-      </p:sp>
+        </p:grpSpPr>
+        <p:sp>
+          <p:nvSpPr>
+            <p:cNvPr id="35" name="왼쪽/오른쪽 화살표 34"/>
+            <p:cNvSpPr/>
+            <p:nvPr/>
+          </p:nvSpPr>
+          <p:spPr>
+            <a:xfrm rot="16200000">
+              <a:off x="7922721" y="5861474"/>
+              <a:ext cx="1997087" cy="841648"/>
+            </a:xfrm>
+            <a:prstGeom prst="leftRightArrow">
+              <a:avLst>
+                <a:gd name="adj1" fmla="val 59272"/>
+                <a:gd name="adj2" fmla="val 62990"/>
+              </a:avLst>
+            </a:prstGeom>
+            <a:solidFill>
+              <a:srgbClr val="0070C0"/>
+            </a:solidFill>
+          </p:spPr>
+          <p:style>
+            <a:lnRef idx="2">
+              <a:schemeClr val="accent1">
+                <a:shade val="50000"/>
+              </a:schemeClr>
+            </a:lnRef>
+            <a:fillRef idx="1">
+              <a:schemeClr val="accent1"/>
+            </a:fillRef>
+            <a:effectRef idx="0">
+              <a:schemeClr val="accent1"/>
+            </a:effectRef>
+            <a:fontRef idx="minor">
+              <a:schemeClr val="lt1"/>
+            </a:fontRef>
+          </p:style>
+          <p:txBody>
+            <a:bodyPr rtlCol="0" anchor="ctr"/>
+            <a:lstStyle/>
+            <a:p>
+              <a:pPr algn="ctr"/>
+              <a:endParaRPr lang="ko-KR" altLang="en-US"/>
+            </a:p>
+          </p:txBody>
+        </p:sp>
+        <p:sp>
+          <p:nvSpPr>
+            <p:cNvPr id="40" name="TextBox 39"/>
+            <p:cNvSpPr txBox="1"/>
+            <p:nvPr/>
+          </p:nvSpPr>
+          <p:spPr>
+            <a:xfrm rot="16200000">
+              <a:off x="7626250" y="5947593"/>
+              <a:ext cx="2579077" cy="646331"/>
+            </a:xfrm>
+            <a:prstGeom prst="rect">
+              <a:avLst/>
+            </a:prstGeom>
+            <a:noFill/>
+          </p:spPr>
+          <p:txBody>
+            <a:bodyPr wrap="square" rtlCol="0">
+              <a:spAutoFit/>
+            </a:bodyPr>
+            <a:lstStyle/>
+            <a:p>
+              <a:pPr algn="ctr"/>
+              <a:r>
+                <a:rPr lang="en-US" altLang="ko-KR" sz="3600" b="1" dirty="0" smtClean="0">
+                  <a:solidFill>
+                    <a:schemeClr val="bg1"/>
+                  </a:solidFill>
+                </a:rPr>
+                <a:t>DTO</a:t>
+              </a:r>
+              <a:endParaRPr lang="ko-KR" altLang="en-US" sz="3600" b="1" dirty="0">
+                <a:solidFill>
+                  <a:schemeClr val="bg1"/>
+                </a:solidFill>
+              </a:endParaRPr>
+            </a:p>
+          </p:txBody>
+        </p:sp>
+      </p:grpSp>
+      <p:grpSp>
+        <p:nvGrpSpPr>
+          <p:cNvPr id="43" name="그룹 42"/>
+          <p:cNvGrpSpPr/>
+          <p:nvPr/>
+        </p:nvGrpSpPr>
+        <p:grpSpPr>
+          <a:xfrm>
+            <a:off x="8500441" y="-1810570"/>
+            <a:ext cx="841648" cy="2579077"/>
+            <a:chOff x="8500441" y="4981220"/>
+            <a:chExt cx="841648" cy="2579077"/>
+          </a:xfrm>
+        </p:grpSpPr>
+        <p:sp>
+          <p:nvSpPr>
+            <p:cNvPr id="44" name="왼쪽/오른쪽 화살표 43"/>
+            <p:cNvSpPr/>
+            <p:nvPr/>
+          </p:nvSpPr>
+          <p:spPr>
+            <a:xfrm rot="16200000">
+              <a:off x="7922721" y="5861474"/>
+              <a:ext cx="1997087" cy="841648"/>
+            </a:xfrm>
+            <a:prstGeom prst="leftRightArrow">
+              <a:avLst>
+                <a:gd name="adj1" fmla="val 59272"/>
+                <a:gd name="adj2" fmla="val 62990"/>
+              </a:avLst>
+            </a:prstGeom>
+            <a:solidFill>
+              <a:srgbClr val="0070C0"/>
+            </a:solidFill>
+          </p:spPr>
+          <p:style>
+            <a:lnRef idx="2">
+              <a:schemeClr val="accent1">
+                <a:shade val="50000"/>
+              </a:schemeClr>
+            </a:lnRef>
+            <a:fillRef idx="1">
+              <a:schemeClr val="accent1"/>
+            </a:fillRef>
+            <a:effectRef idx="0">
+              <a:schemeClr val="accent1"/>
+            </a:effectRef>
+            <a:fontRef idx="minor">
+              <a:schemeClr val="lt1"/>
+            </a:fontRef>
+          </p:style>
+          <p:txBody>
+            <a:bodyPr rtlCol="0" anchor="ctr"/>
+            <a:lstStyle/>
+            <a:p>
+              <a:pPr algn="ctr"/>
+              <a:endParaRPr lang="ko-KR" altLang="en-US"/>
+            </a:p>
+          </p:txBody>
+        </p:sp>
+        <p:sp>
+          <p:nvSpPr>
+            <p:cNvPr id="45" name="TextBox 44"/>
+            <p:cNvSpPr txBox="1"/>
+            <p:nvPr/>
+          </p:nvSpPr>
+          <p:spPr>
+            <a:xfrm rot="16200000">
+              <a:off x="7626250" y="5947593"/>
+              <a:ext cx="2579077" cy="646331"/>
+            </a:xfrm>
+            <a:prstGeom prst="rect">
+              <a:avLst/>
+            </a:prstGeom>
+            <a:noFill/>
+          </p:spPr>
+          <p:txBody>
+            <a:bodyPr wrap="square" rtlCol="0">
+              <a:spAutoFit/>
+            </a:bodyPr>
+            <a:lstStyle/>
+            <a:p>
+              <a:pPr algn="ctr"/>
+              <a:r>
+                <a:rPr lang="en-US" altLang="ko-KR" sz="3600" b="1" dirty="0" smtClean="0">
+                  <a:solidFill>
+                    <a:schemeClr val="bg1"/>
+                  </a:solidFill>
+                </a:rPr>
+                <a:t>DTO</a:t>
+              </a:r>
+              <a:endParaRPr lang="ko-KR" altLang="en-US" sz="3600" b="1" dirty="0">
+                <a:solidFill>
+                  <a:schemeClr val="bg1"/>
+                </a:solidFill>
+              </a:endParaRPr>
+            </a:p>
+          </p:txBody>
+        </p:sp>
+      </p:grpSp>
     </p:spTree>
     <p:extLst>
       <p:ext uri="{BB962C8B-B14F-4D97-AF65-F5344CB8AC3E}">

--- a/metadata_description/Logo/기술스택 및 시스템구조도 등.pptx
+++ b/metadata_description/Logo/기술스택 및 시스템구조도 등.pptx
@@ -2972,18 +2972,134 @@
       </p:grpSpPr>
       <p:grpSp>
         <p:nvGrpSpPr>
-          <p:cNvPr id="3" name="그룹 2"/>
+          <p:cNvPr id="10" name="그룹 9"/>
           <p:cNvGrpSpPr/>
           <p:nvPr/>
         </p:nvGrpSpPr>
         <p:grpSpPr>
           <a:xfrm>
-            <a:off x="1111367" y="-354949"/>
-            <a:ext cx="13089945" cy="7182055"/>
-            <a:chOff x="1111367" y="-354949"/>
-            <a:chExt cx="13089945" cy="7182055"/>
+            <a:off x="-76069" y="-354949"/>
+            <a:ext cx="14277381" cy="7174808"/>
+            <a:chOff x="-76069" y="-354949"/>
+            <a:chExt cx="14277381" cy="7174808"/>
           </a:xfrm>
         </p:grpSpPr>
+        <p:grpSp>
+          <p:nvGrpSpPr>
+            <p:cNvPr id="98" name="그룹 97"/>
+            <p:cNvGrpSpPr/>
+            <p:nvPr/>
+          </p:nvGrpSpPr>
+          <p:grpSpPr>
+            <a:xfrm>
+              <a:off x="9419329" y="4038243"/>
+              <a:ext cx="2374872" cy="2781300"/>
+              <a:chOff x="3492528" y="1847850"/>
+              <a:chExt cx="2374872" cy="2781300"/>
+            </a:xfrm>
+          </p:grpSpPr>
+          <p:sp>
+            <p:nvSpPr>
+              <p:cNvPr id="100" name="육각형 99"/>
+              <p:cNvSpPr/>
+              <p:nvPr/>
+            </p:nvSpPr>
+            <p:spPr>
+              <a:xfrm rot="5400000">
+                <a:off x="3289314" y="2051064"/>
+                <a:ext cx="2781300" cy="2374872"/>
+              </a:xfrm>
+              <a:prstGeom prst="hexagon">
+                <a:avLst/>
+              </a:prstGeom>
+              <a:solidFill>
+                <a:schemeClr val="accent4"/>
+              </a:solidFill>
+              <a:ln>
+                <a:solidFill>
+                  <a:schemeClr val="accent4">
+                    <a:lumMod val="50000"/>
+                  </a:schemeClr>
+                </a:solidFill>
+              </a:ln>
+            </p:spPr>
+            <p:style>
+              <a:lnRef idx="2">
+                <a:schemeClr val="accent1">
+                  <a:shade val="50000"/>
+                </a:schemeClr>
+              </a:lnRef>
+              <a:fillRef idx="1">
+                <a:schemeClr val="accent1"/>
+              </a:fillRef>
+              <a:effectRef idx="0">
+                <a:schemeClr val="accent1"/>
+              </a:effectRef>
+              <a:fontRef idx="minor">
+                <a:schemeClr val="lt1"/>
+              </a:fontRef>
+            </p:style>
+            <p:txBody>
+              <a:bodyPr rtlCol="0" anchor="ctr"/>
+              <a:lstStyle/>
+              <a:p>
+                <a:pPr algn="ctr"/>
+                <a:endParaRPr lang="ko-KR" altLang="en-US"/>
+              </a:p>
+            </p:txBody>
+          </p:sp>
+          <p:sp>
+            <p:nvSpPr>
+              <p:cNvPr id="101" name="육각형 100"/>
+              <p:cNvSpPr/>
+              <p:nvPr/>
+            </p:nvSpPr>
+            <p:spPr>
+              <a:xfrm rot="5400000">
+                <a:off x="3430169" y="2189700"/>
+                <a:ext cx="2498092" cy="2109669"/>
+              </a:xfrm>
+              <a:prstGeom prst="hexagon">
+                <a:avLst/>
+              </a:prstGeom>
+              <a:solidFill>
+                <a:schemeClr val="accent4">
+                  <a:lumMod val="20000"/>
+                  <a:lumOff val="80000"/>
+                </a:schemeClr>
+              </a:solidFill>
+              <a:ln>
+                <a:solidFill>
+                  <a:schemeClr val="accent4"/>
+                </a:solidFill>
+              </a:ln>
+            </p:spPr>
+            <p:style>
+              <a:lnRef idx="2">
+                <a:schemeClr val="accent1">
+                  <a:shade val="50000"/>
+                </a:schemeClr>
+              </a:lnRef>
+              <a:fillRef idx="1">
+                <a:schemeClr val="accent1"/>
+              </a:fillRef>
+              <a:effectRef idx="0">
+                <a:schemeClr val="accent1"/>
+              </a:effectRef>
+              <a:fontRef idx="minor">
+                <a:schemeClr val="lt1"/>
+              </a:fontRef>
+            </p:style>
+            <p:txBody>
+              <a:bodyPr rtlCol="0" anchor="ctr"/>
+              <a:lstStyle/>
+              <a:p>
+                <a:pPr algn="ctr"/>
+                <a:endParaRPr lang="ko-KR" altLang="en-US"/>
+              </a:p>
+            </p:txBody>
+          </p:sp>
+        </p:grpSp>
         <p:grpSp>
           <p:nvGrpSpPr>
             <p:cNvPr id="8" name="그룹 7"/>
@@ -3454,7 +3570,7 @@
           </p:nvGrpSpPr>
           <p:grpSpPr>
             <a:xfrm>
-              <a:off x="2307125" y="4045806"/>
+              <a:off x="-76069" y="4038559"/>
               <a:ext cx="2374872" cy="2781300"/>
               <a:chOff x="2297305" y="4000500"/>
               <a:chExt cx="2374872" cy="2781300"/>
@@ -3658,7 +3774,7 @@
           </p:nvGrpSpPr>
           <p:grpSpPr>
             <a:xfrm>
-              <a:off x="4688239" y="4039456"/>
+              <a:off x="2305045" y="4032209"/>
               <a:ext cx="2374872" cy="2781300"/>
               <a:chOff x="4685785" y="4000500"/>
               <a:chExt cx="2374872" cy="2781300"/>
@@ -4018,7 +4134,7 @@
           </p:nvGrpSpPr>
           <p:grpSpPr>
             <a:xfrm>
-              <a:off x="7064200" y="4045806"/>
+              <a:off x="4681006" y="4038559"/>
               <a:ext cx="2374872" cy="2781300"/>
               <a:chOff x="2297305" y="4000500"/>
               <a:chExt cx="2374872" cy="2781300"/>
@@ -4202,7 +4318,7 @@
           </p:blipFill>
           <p:spPr>
             <a:xfrm>
-              <a:off x="7628132" y="4978969"/>
+              <a:off x="5244938" y="4971722"/>
               <a:ext cx="1288388" cy="1294710"/>
             </a:xfrm>
             <a:prstGeom prst="rect">
@@ -4732,7 +4848,7 @@
           </p:nvGrpSpPr>
           <p:grpSpPr>
             <a:xfrm>
-              <a:off x="9442054" y="4030980"/>
+              <a:off x="7058860" y="4023733"/>
               <a:ext cx="2374872" cy="2781300"/>
               <a:chOff x="3492528" y="1847850"/>
               <a:chExt cx="2374872" cy="2781300"/>
@@ -5327,7 +5443,7 @@
           </p:blipFill>
           <p:spPr>
             <a:xfrm>
-              <a:off x="9500496" y="4785969"/>
+              <a:off x="7117302" y="4778722"/>
               <a:ext cx="2028444" cy="1880922"/>
             </a:xfrm>
             <a:prstGeom prst="rect">
@@ -5343,7 +5459,7 @@
           </p:nvSpPr>
           <p:spPr>
             <a:xfrm>
-              <a:off x="9442094" y="4590704"/>
+              <a:off x="7058900" y="4583457"/>
               <a:ext cx="2430664" cy="523220"/>
             </a:xfrm>
             <a:prstGeom prst="rect">
@@ -5374,6 +5490,70 @@
                     <a:lumMod val="50000"/>
                   </a:schemeClr>
                 </a:solidFill>
+                <a:latin typeface="Franklin Gothic Heavy" panose="020B0903020102020204" pitchFamily="34" charset="0"/>
+              </a:endParaRPr>
+            </a:p>
+          </p:txBody>
+        </p:sp>
+        <p:pic>
+          <p:nvPicPr>
+            <p:cNvPr id="2" name="그림 1"/>
+            <p:cNvPicPr>
+              <a:picLocks noChangeAspect="1"/>
+            </p:cNvPicPr>
+            <p:nvPr/>
+          </p:nvPicPr>
+          <p:blipFill>
+            <a:blip r:embed="rId16" cstate="print">
+              <a:extLst>
+                <a:ext uri="{28A0092B-C50C-407E-A947-70E740481C1C}">
+                  <a14:useLocalDpi xmlns:a14="http://schemas.microsoft.com/office/drawing/2010/main" val="0"/>
+                </a:ext>
+              </a:extLst>
+            </a:blip>
+            <a:stretch>
+              <a:fillRect/>
+            </a:stretch>
+          </p:blipFill>
+          <p:spPr>
+            <a:xfrm>
+              <a:off x="9845252" y="4785632"/>
+              <a:ext cx="1504750" cy="1504750"/>
+            </a:xfrm>
+            <a:prstGeom prst="rect">
+              <a:avLst/>
+            </a:prstGeom>
+          </p:spPr>
+        </p:pic>
+        <p:sp>
+          <p:nvSpPr>
+            <p:cNvPr id="102" name="TextBox 101"/>
+            <p:cNvSpPr txBox="1"/>
+            <p:nvPr/>
+          </p:nvSpPr>
+          <p:spPr>
+            <a:xfrm>
+              <a:off x="9845786" y="4536095"/>
+              <a:ext cx="1675056" cy="523220"/>
+            </a:xfrm>
+            <a:prstGeom prst="rect">
+              <a:avLst/>
+            </a:prstGeom>
+            <a:noFill/>
+          </p:spPr>
+          <p:txBody>
+            <a:bodyPr wrap="square" rtlCol="0">
+              <a:spAutoFit/>
+            </a:bodyPr>
+            <a:lstStyle/>
+            <a:p>
+              <a:r>
+                <a:rPr lang="en-US" altLang="ko-KR" sz="2800" b="1" dirty="0" err="1" smtClean="0">
+                  <a:latin typeface="Franklin Gothic Heavy" panose="020B0903020102020204" pitchFamily="34" charset="0"/>
+                </a:rPr>
+                <a:t>MyBatis</a:t>
+              </a:r>
+              <a:endParaRPr lang="ko-KR" altLang="en-US" sz="2800" b="1" dirty="0">
                 <a:latin typeface="Franklin Gothic Heavy" panose="020B0903020102020204" pitchFamily="34" charset="0"/>
               </a:endParaRPr>
             </a:p>

--- a/metadata_description/Logo/기술스택 및 시스템구조도 등.pptx
+++ b/metadata_description/Logo/기술스택 및 시스템구조도 등.pptx
@@ -7,6 +7,7 @@
   <p:sldIdLst>
     <p:sldId id="256" r:id="rId2"/>
     <p:sldId id="257" r:id="rId3"/>
+    <p:sldId id="258" r:id="rId4"/>
   </p:sldIdLst>
   <p:sldSz cx="12192000" cy="6858000"/>
   <p:notesSz cx="6858000" cy="9144000"/>
@@ -244,7 +245,7 @@
           <a:p>
             <a:fld id="{2E0A7E9D-AC33-46CB-AB94-578C7BF21176}" type="datetimeFigureOut">
               <a:rPr lang="ko-KR" altLang="en-US" smtClean="0"/>
-              <a:t>2020-02-17</a:t>
+              <a:t>2020-03-27</a:t>
             </a:fld>
             <a:endParaRPr lang="ko-KR" altLang="en-US"/>
           </a:p>
@@ -414,7 +415,7 @@
           <a:p>
             <a:fld id="{2E0A7E9D-AC33-46CB-AB94-578C7BF21176}" type="datetimeFigureOut">
               <a:rPr lang="ko-KR" altLang="en-US" smtClean="0"/>
-              <a:t>2020-02-17</a:t>
+              <a:t>2020-03-27</a:t>
             </a:fld>
             <a:endParaRPr lang="ko-KR" altLang="en-US"/>
           </a:p>
@@ -594,7 +595,7 @@
           <a:p>
             <a:fld id="{2E0A7E9D-AC33-46CB-AB94-578C7BF21176}" type="datetimeFigureOut">
               <a:rPr lang="ko-KR" altLang="en-US" smtClean="0"/>
-              <a:t>2020-02-17</a:t>
+              <a:t>2020-03-27</a:t>
             </a:fld>
             <a:endParaRPr lang="ko-KR" altLang="en-US"/>
           </a:p>
@@ -764,7 +765,7 @@
           <a:p>
             <a:fld id="{2E0A7E9D-AC33-46CB-AB94-578C7BF21176}" type="datetimeFigureOut">
               <a:rPr lang="ko-KR" altLang="en-US" smtClean="0"/>
-              <a:t>2020-02-17</a:t>
+              <a:t>2020-03-27</a:t>
             </a:fld>
             <a:endParaRPr lang="ko-KR" altLang="en-US"/>
           </a:p>
@@ -1010,7 +1011,7 @@
           <a:p>
             <a:fld id="{2E0A7E9D-AC33-46CB-AB94-578C7BF21176}" type="datetimeFigureOut">
               <a:rPr lang="ko-KR" altLang="en-US" smtClean="0"/>
-              <a:t>2020-02-17</a:t>
+              <a:t>2020-03-27</a:t>
             </a:fld>
             <a:endParaRPr lang="ko-KR" altLang="en-US"/>
           </a:p>
@@ -1242,7 +1243,7 @@
           <a:p>
             <a:fld id="{2E0A7E9D-AC33-46CB-AB94-578C7BF21176}" type="datetimeFigureOut">
               <a:rPr lang="ko-KR" altLang="en-US" smtClean="0"/>
-              <a:t>2020-02-17</a:t>
+              <a:t>2020-03-27</a:t>
             </a:fld>
             <a:endParaRPr lang="ko-KR" altLang="en-US"/>
           </a:p>
@@ -1609,7 +1610,7 @@
           <a:p>
             <a:fld id="{2E0A7E9D-AC33-46CB-AB94-578C7BF21176}" type="datetimeFigureOut">
               <a:rPr lang="ko-KR" altLang="en-US" smtClean="0"/>
-              <a:t>2020-02-17</a:t>
+              <a:t>2020-03-27</a:t>
             </a:fld>
             <a:endParaRPr lang="ko-KR" altLang="en-US"/>
           </a:p>
@@ -1727,7 +1728,7 @@
           <a:p>
             <a:fld id="{2E0A7E9D-AC33-46CB-AB94-578C7BF21176}" type="datetimeFigureOut">
               <a:rPr lang="ko-KR" altLang="en-US" smtClean="0"/>
-              <a:t>2020-02-17</a:t>
+              <a:t>2020-03-27</a:t>
             </a:fld>
             <a:endParaRPr lang="ko-KR" altLang="en-US"/>
           </a:p>
@@ -1822,7 +1823,7 @@
           <a:p>
             <a:fld id="{2E0A7E9D-AC33-46CB-AB94-578C7BF21176}" type="datetimeFigureOut">
               <a:rPr lang="ko-KR" altLang="en-US" smtClean="0"/>
-              <a:t>2020-02-17</a:t>
+              <a:t>2020-03-27</a:t>
             </a:fld>
             <a:endParaRPr lang="ko-KR" altLang="en-US"/>
           </a:p>
@@ -2099,7 +2100,7 @@
           <a:p>
             <a:fld id="{2E0A7E9D-AC33-46CB-AB94-578C7BF21176}" type="datetimeFigureOut">
               <a:rPr lang="ko-KR" altLang="en-US" smtClean="0"/>
-              <a:t>2020-02-17</a:t>
+              <a:t>2020-03-27</a:t>
             </a:fld>
             <a:endParaRPr lang="ko-KR" altLang="en-US"/>
           </a:p>
@@ -2352,7 +2353,7 @@
           <a:p>
             <a:fld id="{2E0A7E9D-AC33-46CB-AB94-578C7BF21176}" type="datetimeFigureOut">
               <a:rPr lang="ko-KR" altLang="en-US" smtClean="0"/>
-              <a:t>2020-02-17</a:t>
+              <a:t>2020-03-27</a:t>
             </a:fld>
             <a:endParaRPr lang="ko-KR" altLang="en-US"/>
           </a:p>
@@ -2565,7 +2566,7 @@
           <a:p>
             <a:fld id="{2E0A7E9D-AC33-46CB-AB94-578C7BF21176}" type="datetimeFigureOut">
               <a:rPr lang="ko-KR" altLang="en-US" smtClean="0"/>
-              <a:t>2020-02-17</a:t>
+              <a:t>2020-03-27</a:t>
             </a:fld>
             <a:endParaRPr lang="ko-KR" altLang="en-US"/>
           </a:p>
@@ -6903,6 +6904,2870 @@
 </p:sld>
 </file>
 
+<file path=ppt/slides/slide3.xml><?xml version="1.0" encoding="utf-8"?>
+<p:sld xmlns:a="http://schemas.openxmlformats.org/drawingml/2006/main" xmlns:r="http://schemas.openxmlformats.org/officeDocument/2006/relationships" xmlns:p="http://schemas.openxmlformats.org/presentationml/2006/main">
+  <p:cSld>
+    <p:spTree>
+      <p:nvGrpSpPr>
+        <p:cNvPr id="1" name=""/>
+        <p:cNvGrpSpPr/>
+        <p:nvPr/>
+      </p:nvGrpSpPr>
+      <p:grpSpPr>
+        <a:xfrm>
+          <a:off x="0" y="0"/>
+          <a:ext cx="0" cy="0"/>
+          <a:chOff x="0" y="0"/>
+          <a:chExt cx="0" cy="0"/>
+        </a:xfrm>
+      </p:grpSpPr>
+      <p:grpSp>
+        <p:nvGrpSpPr>
+          <p:cNvPr id="7" name="그룹 6"/>
+          <p:cNvGrpSpPr/>
+          <p:nvPr/>
+        </p:nvGrpSpPr>
+        <p:grpSpPr>
+          <a:xfrm>
+            <a:off x="6692928" y="-3760470"/>
+            <a:ext cx="2374872" cy="2781300"/>
+            <a:chOff x="3492528" y="1847850"/>
+            <a:chExt cx="2374872" cy="2781300"/>
+          </a:xfrm>
+        </p:grpSpPr>
+        <p:grpSp>
+          <p:nvGrpSpPr>
+            <p:cNvPr id="77" name="그룹 76"/>
+            <p:cNvGrpSpPr/>
+            <p:nvPr/>
+          </p:nvGrpSpPr>
+          <p:grpSpPr>
+            <a:xfrm>
+              <a:off x="3492528" y="1847850"/>
+              <a:ext cx="2374872" cy="2781300"/>
+              <a:chOff x="3492528" y="1847850"/>
+              <a:chExt cx="2374872" cy="2781300"/>
+            </a:xfrm>
+          </p:grpSpPr>
+          <p:sp>
+            <p:nvSpPr>
+              <p:cNvPr id="79" name="육각형 78"/>
+              <p:cNvSpPr/>
+              <p:nvPr/>
+            </p:nvSpPr>
+            <p:spPr>
+              <a:xfrm rot="5400000">
+                <a:off x="3289314" y="2051064"/>
+                <a:ext cx="2781300" cy="2374872"/>
+              </a:xfrm>
+              <a:prstGeom prst="hexagon">
+                <a:avLst/>
+              </a:prstGeom>
+              <a:solidFill>
+                <a:srgbClr val="E44D26"/>
+              </a:solidFill>
+              <a:ln>
+                <a:solidFill>
+                  <a:srgbClr val="F16529"/>
+                </a:solidFill>
+              </a:ln>
+            </p:spPr>
+            <p:style>
+              <a:lnRef idx="2">
+                <a:schemeClr val="accent1">
+                  <a:shade val="50000"/>
+                </a:schemeClr>
+              </a:lnRef>
+              <a:fillRef idx="1">
+                <a:schemeClr val="accent1"/>
+              </a:fillRef>
+              <a:effectRef idx="0">
+                <a:schemeClr val="accent1"/>
+              </a:effectRef>
+              <a:fontRef idx="minor">
+                <a:schemeClr val="lt1"/>
+              </a:fontRef>
+            </p:style>
+            <p:txBody>
+              <a:bodyPr rtlCol="0" anchor="ctr"/>
+              <a:lstStyle/>
+              <a:p>
+                <a:pPr algn="ctr"/>
+                <a:endParaRPr lang="ko-KR" altLang="en-US"/>
+              </a:p>
+            </p:txBody>
+          </p:sp>
+          <p:sp>
+            <p:nvSpPr>
+              <p:cNvPr id="80" name="육각형 79"/>
+              <p:cNvSpPr/>
+              <p:nvPr/>
+            </p:nvSpPr>
+            <p:spPr>
+              <a:xfrm rot="5400000">
+                <a:off x="3430169" y="2189700"/>
+                <a:ext cx="2498092" cy="2109669"/>
+              </a:xfrm>
+              <a:prstGeom prst="hexagon">
+                <a:avLst/>
+              </a:prstGeom>
+              <a:solidFill>
+                <a:schemeClr val="accent2">
+                  <a:lumMod val="20000"/>
+                  <a:lumOff val="80000"/>
+                </a:schemeClr>
+              </a:solidFill>
+              <a:ln>
+                <a:solidFill>
+                  <a:srgbClr val="F16529"/>
+                </a:solidFill>
+              </a:ln>
+            </p:spPr>
+            <p:style>
+              <a:lnRef idx="2">
+                <a:schemeClr val="accent1">
+                  <a:shade val="50000"/>
+                </a:schemeClr>
+              </a:lnRef>
+              <a:fillRef idx="1">
+                <a:schemeClr val="accent1"/>
+              </a:fillRef>
+              <a:effectRef idx="0">
+                <a:schemeClr val="accent1"/>
+              </a:effectRef>
+              <a:fontRef idx="minor">
+                <a:schemeClr val="lt1"/>
+              </a:fontRef>
+            </p:style>
+            <p:txBody>
+              <a:bodyPr rtlCol="0" anchor="ctr"/>
+              <a:lstStyle/>
+              <a:p>
+                <a:pPr algn="ctr"/>
+                <a:endParaRPr lang="ko-KR" altLang="en-US"/>
+              </a:p>
+            </p:txBody>
+          </p:sp>
+        </p:grpSp>
+        <p:pic>
+          <p:nvPicPr>
+            <p:cNvPr id="78" name="그림 77"/>
+            <p:cNvPicPr>
+              <a:picLocks noChangeAspect="1"/>
+            </p:cNvPicPr>
+            <p:nvPr/>
+          </p:nvPicPr>
+          <p:blipFill>
+            <a:blip r:embed="rId2">
+              <a:extLst>
+                <a:ext uri="{28A0092B-C50C-407E-A947-70E740481C1C}">
+                  <a14:useLocalDpi xmlns:a14="http://schemas.microsoft.com/office/drawing/2010/main" val="0"/>
+                </a:ext>
+              </a:extLst>
+            </a:blip>
+            <a:stretch>
+              <a:fillRect/>
+            </a:stretch>
+          </p:blipFill>
+          <p:spPr>
+            <a:xfrm>
+              <a:off x="3680280" y="2311003"/>
+              <a:ext cx="1997869" cy="1997869"/>
+            </a:xfrm>
+            <a:prstGeom prst="rect">
+              <a:avLst/>
+            </a:prstGeom>
+          </p:spPr>
+        </p:pic>
+      </p:grpSp>
+      <p:grpSp>
+        <p:nvGrpSpPr>
+          <p:cNvPr id="8" name="그룹 7"/>
+          <p:cNvGrpSpPr/>
+          <p:nvPr/>
+        </p:nvGrpSpPr>
+        <p:grpSpPr>
+          <a:xfrm>
+            <a:off x="5508274" y="-5963269"/>
+            <a:ext cx="2374872" cy="2781300"/>
+            <a:chOff x="6083327" y="1838325"/>
+            <a:chExt cx="2374872" cy="2781300"/>
+          </a:xfrm>
+        </p:grpSpPr>
+        <p:grpSp>
+          <p:nvGrpSpPr>
+            <p:cNvPr id="73" name="그룹 72"/>
+            <p:cNvGrpSpPr/>
+            <p:nvPr/>
+          </p:nvGrpSpPr>
+          <p:grpSpPr>
+            <a:xfrm>
+              <a:off x="6083327" y="1838325"/>
+              <a:ext cx="2374872" cy="2781300"/>
+              <a:chOff x="3492528" y="1847850"/>
+              <a:chExt cx="2374872" cy="2781300"/>
+            </a:xfrm>
+          </p:grpSpPr>
+          <p:sp>
+            <p:nvSpPr>
+              <p:cNvPr id="75" name="육각형 74"/>
+              <p:cNvSpPr/>
+              <p:nvPr/>
+            </p:nvSpPr>
+            <p:spPr>
+              <a:xfrm rot="5400000">
+                <a:off x="3289314" y="2051064"/>
+                <a:ext cx="2781300" cy="2374872"/>
+              </a:xfrm>
+              <a:prstGeom prst="hexagon">
+                <a:avLst/>
+              </a:prstGeom>
+              <a:solidFill>
+                <a:srgbClr val="1673B6"/>
+              </a:solidFill>
+              <a:ln>
+                <a:solidFill>
+                  <a:srgbClr val="35A9DB"/>
+                </a:solidFill>
+              </a:ln>
+            </p:spPr>
+            <p:style>
+              <a:lnRef idx="2">
+                <a:schemeClr val="accent1">
+                  <a:shade val="50000"/>
+                </a:schemeClr>
+              </a:lnRef>
+              <a:fillRef idx="1">
+                <a:schemeClr val="accent1"/>
+              </a:fillRef>
+              <a:effectRef idx="0">
+                <a:schemeClr val="accent1"/>
+              </a:effectRef>
+              <a:fontRef idx="minor">
+                <a:schemeClr val="lt1"/>
+              </a:fontRef>
+            </p:style>
+            <p:txBody>
+              <a:bodyPr rtlCol="0" anchor="ctr"/>
+              <a:lstStyle/>
+              <a:p>
+                <a:pPr algn="ctr"/>
+                <a:endParaRPr lang="ko-KR" altLang="en-US"/>
+              </a:p>
+            </p:txBody>
+          </p:sp>
+          <p:sp>
+            <p:nvSpPr>
+              <p:cNvPr id="76" name="육각형 75"/>
+              <p:cNvSpPr/>
+              <p:nvPr/>
+            </p:nvSpPr>
+            <p:spPr>
+              <a:xfrm rot="5400000">
+                <a:off x="3430169" y="2189700"/>
+                <a:ext cx="2498092" cy="2109669"/>
+              </a:xfrm>
+              <a:prstGeom prst="hexagon">
+                <a:avLst/>
+              </a:prstGeom>
+              <a:solidFill>
+                <a:schemeClr val="accent1">
+                  <a:lumMod val="20000"/>
+                  <a:lumOff val="80000"/>
+                </a:schemeClr>
+              </a:solidFill>
+              <a:ln>
+                <a:solidFill>
+                  <a:srgbClr val="35A9DB"/>
+                </a:solidFill>
+              </a:ln>
+            </p:spPr>
+            <p:style>
+              <a:lnRef idx="2">
+                <a:schemeClr val="accent1">
+                  <a:shade val="50000"/>
+                </a:schemeClr>
+              </a:lnRef>
+              <a:fillRef idx="1">
+                <a:schemeClr val="accent1"/>
+              </a:fillRef>
+              <a:effectRef idx="0">
+                <a:schemeClr val="accent1"/>
+              </a:effectRef>
+              <a:fontRef idx="minor">
+                <a:schemeClr val="lt1"/>
+              </a:fontRef>
+            </p:style>
+            <p:txBody>
+              <a:bodyPr rtlCol="0" anchor="ctr"/>
+              <a:lstStyle/>
+              <a:p>
+                <a:pPr algn="ctr"/>
+                <a:endParaRPr lang="ko-KR" altLang="en-US"/>
+              </a:p>
+            </p:txBody>
+          </p:sp>
+        </p:grpSp>
+        <p:pic>
+          <p:nvPicPr>
+            <p:cNvPr id="74" name="그림 73"/>
+            <p:cNvPicPr>
+              <a:picLocks noChangeAspect="1"/>
+            </p:cNvPicPr>
+            <p:nvPr/>
+          </p:nvPicPr>
+          <p:blipFill>
+            <a:blip r:embed="rId3" cstate="print">
+              <a:extLst>
+                <a:ext uri="{28A0092B-C50C-407E-A947-70E740481C1C}">
+                  <a14:useLocalDpi xmlns:a14="http://schemas.microsoft.com/office/drawing/2010/main" val="0"/>
+                </a:ext>
+              </a:extLst>
+            </a:blip>
+            <a:stretch>
+              <a:fillRect/>
+            </a:stretch>
+          </p:blipFill>
+          <p:spPr>
+            <a:xfrm>
+              <a:off x="6603262" y="2311003"/>
+              <a:ext cx="1386485" cy="1956677"/>
+            </a:xfrm>
+            <a:prstGeom prst="rect">
+              <a:avLst/>
+            </a:prstGeom>
+          </p:spPr>
+        </p:pic>
+      </p:grpSp>
+      <p:grpSp>
+        <p:nvGrpSpPr>
+          <p:cNvPr id="9" name="그룹 8"/>
+          <p:cNvGrpSpPr/>
+          <p:nvPr/>
+        </p:nvGrpSpPr>
+        <p:grpSpPr>
+          <a:xfrm>
+            <a:off x="4311767" y="-3760470"/>
+            <a:ext cx="2374872" cy="2781300"/>
+            <a:chOff x="3492528" y="1847850"/>
+            <a:chExt cx="2374872" cy="2781300"/>
+          </a:xfrm>
+        </p:grpSpPr>
+        <p:sp>
+          <p:nvSpPr>
+            <p:cNvPr id="71" name="육각형 70"/>
+            <p:cNvSpPr/>
+            <p:nvPr/>
+          </p:nvSpPr>
+          <p:spPr>
+            <a:xfrm rot="5400000">
+              <a:off x="3289314" y="2051064"/>
+              <a:ext cx="2781300" cy="2374872"/>
+            </a:xfrm>
+            <a:prstGeom prst="hexagon">
+              <a:avLst/>
+            </a:prstGeom>
+            <a:solidFill>
+              <a:srgbClr val="E4A227"/>
+            </a:solidFill>
+            <a:ln>
+              <a:solidFill>
+                <a:srgbClr val="F0BF26"/>
+              </a:solidFill>
+            </a:ln>
+          </p:spPr>
+          <p:style>
+            <a:lnRef idx="2">
+              <a:schemeClr val="accent1">
+                <a:shade val="50000"/>
+              </a:schemeClr>
+            </a:lnRef>
+            <a:fillRef idx="1">
+              <a:schemeClr val="accent1"/>
+            </a:fillRef>
+            <a:effectRef idx="0">
+              <a:schemeClr val="accent1"/>
+            </a:effectRef>
+            <a:fontRef idx="minor">
+              <a:schemeClr val="lt1"/>
+            </a:fontRef>
+          </p:style>
+          <p:txBody>
+            <a:bodyPr rtlCol="0" anchor="ctr"/>
+            <a:lstStyle/>
+            <a:p>
+              <a:pPr algn="ctr"/>
+              <a:endParaRPr lang="ko-KR" altLang="en-US"/>
+            </a:p>
+          </p:txBody>
+        </p:sp>
+        <p:sp>
+          <p:nvSpPr>
+            <p:cNvPr id="72" name="육각형 71"/>
+            <p:cNvSpPr/>
+            <p:nvPr/>
+          </p:nvSpPr>
+          <p:spPr>
+            <a:xfrm rot="5400000">
+              <a:off x="3430169" y="2189700"/>
+              <a:ext cx="2498092" cy="2109669"/>
+            </a:xfrm>
+            <a:prstGeom prst="hexagon">
+              <a:avLst/>
+            </a:prstGeom>
+            <a:solidFill>
+              <a:schemeClr val="accent4">
+                <a:lumMod val="20000"/>
+                <a:lumOff val="80000"/>
+              </a:schemeClr>
+            </a:solidFill>
+            <a:ln>
+              <a:solidFill>
+                <a:srgbClr val="F0BF26"/>
+              </a:solidFill>
+            </a:ln>
+          </p:spPr>
+          <p:style>
+            <a:lnRef idx="2">
+              <a:schemeClr val="accent1">
+                <a:shade val="50000"/>
+              </a:schemeClr>
+            </a:lnRef>
+            <a:fillRef idx="1">
+              <a:schemeClr val="accent1"/>
+            </a:fillRef>
+            <a:effectRef idx="0">
+              <a:schemeClr val="accent1"/>
+            </a:effectRef>
+            <a:fontRef idx="minor">
+              <a:schemeClr val="lt1"/>
+            </a:fontRef>
+          </p:style>
+          <p:txBody>
+            <a:bodyPr rtlCol="0" anchor="ctr"/>
+            <a:lstStyle/>
+            <a:p>
+              <a:pPr algn="ctr"/>
+              <a:endParaRPr lang="ko-KR" altLang="en-US"/>
+            </a:p>
+          </p:txBody>
+        </p:sp>
+      </p:grpSp>
+      <p:pic>
+        <p:nvPicPr>
+          <p:cNvPr id="10" name="그림 9"/>
+          <p:cNvPicPr>
+            <a:picLocks noChangeAspect="1"/>
+          </p:cNvPicPr>
+          <p:nvPr/>
+        </p:nvPicPr>
+        <p:blipFill>
+          <a:blip r:embed="rId4" cstate="print">
+            <a:extLst>
+              <a:ext uri="{28A0092B-C50C-407E-A947-70E740481C1C}">
+                <a14:useLocalDpi xmlns:a14="http://schemas.microsoft.com/office/drawing/2010/main" val="0"/>
+              </a:ext>
+            </a:extLst>
+          </a:blip>
+          <a:stretch>
+            <a:fillRect/>
+          </a:stretch>
+        </p:blipFill>
+        <p:spPr>
+          <a:xfrm>
+            <a:off x="4751607" y="-3352701"/>
+            <a:ext cx="1494162" cy="2053253"/>
+          </a:xfrm>
+          <a:prstGeom prst="rect">
+            <a:avLst/>
+          </a:prstGeom>
+        </p:spPr>
+      </p:pic>
+      <p:grpSp>
+        <p:nvGrpSpPr>
+          <p:cNvPr id="11" name="그룹 10"/>
+          <p:cNvGrpSpPr/>
+          <p:nvPr/>
+        </p:nvGrpSpPr>
+        <p:grpSpPr>
+          <a:xfrm>
+            <a:off x="3124331" y="-1569761"/>
+            <a:ext cx="2374872" cy="2781300"/>
+            <a:chOff x="2297305" y="4000500"/>
+            <a:chExt cx="2374872" cy="2781300"/>
+          </a:xfrm>
+        </p:grpSpPr>
+        <p:grpSp>
+          <p:nvGrpSpPr>
+            <p:cNvPr id="66" name="그룹 65"/>
+            <p:cNvGrpSpPr/>
+            <p:nvPr/>
+          </p:nvGrpSpPr>
+          <p:grpSpPr>
+            <a:xfrm>
+              <a:off x="2297305" y="4000500"/>
+              <a:ext cx="2374872" cy="2781300"/>
+              <a:chOff x="3492528" y="1847850"/>
+              <a:chExt cx="2374872" cy="2781300"/>
+            </a:xfrm>
+          </p:grpSpPr>
+          <p:sp>
+            <p:nvSpPr>
+              <p:cNvPr id="69" name="육각형 68"/>
+              <p:cNvSpPr/>
+              <p:nvPr/>
+            </p:nvSpPr>
+            <p:spPr>
+              <a:xfrm rot="5400000">
+                <a:off x="3289314" y="2051064"/>
+                <a:ext cx="2781300" cy="2374872"/>
+              </a:xfrm>
+              <a:prstGeom prst="hexagon">
+                <a:avLst/>
+              </a:prstGeom>
+              <a:solidFill>
+                <a:srgbClr val="41B883"/>
+              </a:solidFill>
+              <a:ln>
+                <a:solidFill>
+                  <a:schemeClr val="accent6">
+                    <a:lumMod val="75000"/>
+                  </a:schemeClr>
+                </a:solidFill>
+              </a:ln>
+            </p:spPr>
+            <p:style>
+              <a:lnRef idx="2">
+                <a:schemeClr val="accent1">
+                  <a:shade val="50000"/>
+                </a:schemeClr>
+              </a:lnRef>
+              <a:fillRef idx="1">
+                <a:schemeClr val="accent1"/>
+              </a:fillRef>
+              <a:effectRef idx="0">
+                <a:schemeClr val="accent1"/>
+              </a:effectRef>
+              <a:fontRef idx="minor">
+                <a:schemeClr val="lt1"/>
+              </a:fontRef>
+            </p:style>
+            <p:txBody>
+              <a:bodyPr rtlCol="0" anchor="ctr"/>
+              <a:lstStyle/>
+              <a:p>
+                <a:pPr algn="ctr"/>
+                <a:endParaRPr lang="ko-KR" altLang="en-US"/>
+              </a:p>
+            </p:txBody>
+          </p:sp>
+          <p:sp>
+            <p:nvSpPr>
+              <p:cNvPr id="70" name="육각형 69"/>
+              <p:cNvSpPr/>
+              <p:nvPr/>
+            </p:nvSpPr>
+            <p:spPr>
+              <a:xfrm rot="5400000">
+                <a:off x="3430169" y="2189700"/>
+                <a:ext cx="2498092" cy="2109669"/>
+              </a:xfrm>
+              <a:prstGeom prst="hexagon">
+                <a:avLst/>
+              </a:prstGeom>
+              <a:solidFill>
+                <a:schemeClr val="accent6">
+                  <a:lumMod val="20000"/>
+                  <a:lumOff val="80000"/>
+                </a:schemeClr>
+              </a:solidFill>
+              <a:ln>
+                <a:solidFill>
+                  <a:schemeClr val="accent6">
+                    <a:lumMod val="40000"/>
+                    <a:lumOff val="60000"/>
+                  </a:schemeClr>
+                </a:solidFill>
+              </a:ln>
+            </p:spPr>
+            <p:style>
+              <a:lnRef idx="2">
+                <a:schemeClr val="accent1">
+                  <a:shade val="50000"/>
+                </a:schemeClr>
+              </a:lnRef>
+              <a:fillRef idx="1">
+                <a:schemeClr val="accent1"/>
+              </a:fillRef>
+              <a:effectRef idx="0">
+                <a:schemeClr val="accent1"/>
+              </a:effectRef>
+              <a:fontRef idx="minor">
+                <a:schemeClr val="lt1"/>
+              </a:fontRef>
+            </p:style>
+            <p:txBody>
+              <a:bodyPr rtlCol="0" anchor="ctr"/>
+              <a:lstStyle/>
+              <a:p>
+                <a:pPr algn="ctr"/>
+                <a:endParaRPr lang="ko-KR" altLang="en-US"/>
+              </a:p>
+            </p:txBody>
+          </p:sp>
+        </p:grpSp>
+        <p:pic>
+          <p:nvPicPr>
+            <p:cNvPr id="67" name="그림 66"/>
+            <p:cNvPicPr>
+              <a:picLocks noChangeAspect="1"/>
+            </p:cNvPicPr>
+            <p:nvPr/>
+          </p:nvPicPr>
+          <p:blipFill>
+            <a:blip r:embed="rId5" cstate="print">
+              <a:extLst>
+                <a:ext uri="{28A0092B-C50C-407E-A947-70E740481C1C}">
+                  <a14:useLocalDpi xmlns:a14="http://schemas.microsoft.com/office/drawing/2010/main" val="0"/>
+                </a:ext>
+              </a:extLst>
+            </a:blip>
+            <a:stretch>
+              <a:fillRect/>
+            </a:stretch>
+          </p:blipFill>
+          <p:spPr>
+            <a:xfrm>
+              <a:off x="2676835" y="4753712"/>
+              <a:ext cx="1615812" cy="1615812"/>
+            </a:xfrm>
+            <a:prstGeom prst="rect">
+              <a:avLst/>
+            </a:prstGeom>
+          </p:spPr>
+        </p:pic>
+        <p:sp>
+          <p:nvSpPr>
+            <p:cNvPr id="68" name="TextBox 67"/>
+            <p:cNvSpPr txBox="1"/>
+            <p:nvPr/>
+          </p:nvSpPr>
+          <p:spPr>
+            <a:xfrm>
+              <a:off x="3045716" y="4341726"/>
+              <a:ext cx="878050" cy="523220"/>
+            </a:xfrm>
+            <a:prstGeom prst="rect">
+              <a:avLst/>
+            </a:prstGeom>
+            <a:noFill/>
+          </p:spPr>
+          <p:txBody>
+            <a:bodyPr wrap="square" rtlCol="0">
+              <a:spAutoFit/>
+            </a:bodyPr>
+            <a:lstStyle/>
+            <a:p>
+              <a:r>
+                <a:rPr lang="en-US" altLang="ko-KR" sz="2800" b="1" dirty="0" smtClean="0">
+                  <a:solidFill>
+                    <a:srgbClr val="206E5F"/>
+                  </a:solidFill>
+                  <a:latin typeface="Franklin Gothic Heavy" panose="020B0903020102020204" pitchFamily="34" charset="0"/>
+                </a:rPr>
+                <a:t>VUE</a:t>
+              </a:r>
+              <a:endParaRPr lang="ko-KR" altLang="en-US" sz="2800" b="1" dirty="0">
+                <a:solidFill>
+                  <a:srgbClr val="206E5F"/>
+                </a:solidFill>
+                <a:latin typeface="Franklin Gothic Heavy" panose="020B0903020102020204" pitchFamily="34" charset="0"/>
+              </a:endParaRPr>
+            </a:p>
+          </p:txBody>
+        </p:sp>
+      </p:grpSp>
+      <p:grpSp>
+        <p:nvGrpSpPr>
+          <p:cNvPr id="12" name="그룹 11"/>
+          <p:cNvGrpSpPr/>
+          <p:nvPr/>
+        </p:nvGrpSpPr>
+        <p:grpSpPr>
+          <a:xfrm>
+            <a:off x="5505445" y="-1576111"/>
+            <a:ext cx="2374872" cy="2781300"/>
+            <a:chOff x="4685785" y="4000500"/>
+            <a:chExt cx="2374872" cy="2781300"/>
+          </a:xfrm>
+        </p:grpSpPr>
+        <p:grpSp>
+          <p:nvGrpSpPr>
+            <p:cNvPr id="61" name="그룹 60"/>
+            <p:cNvGrpSpPr/>
+            <p:nvPr/>
+          </p:nvGrpSpPr>
+          <p:grpSpPr>
+            <a:xfrm>
+              <a:off x="4685785" y="4000500"/>
+              <a:ext cx="2374872" cy="2781300"/>
+              <a:chOff x="3492528" y="1847850"/>
+              <a:chExt cx="2374872" cy="2781300"/>
+            </a:xfrm>
+          </p:grpSpPr>
+          <p:sp>
+            <p:nvSpPr>
+              <p:cNvPr id="64" name="육각형 63"/>
+              <p:cNvSpPr/>
+              <p:nvPr/>
+            </p:nvSpPr>
+            <p:spPr>
+              <a:xfrm rot="5400000">
+                <a:off x="3289314" y="2051064"/>
+                <a:ext cx="2781300" cy="2374872"/>
+              </a:xfrm>
+              <a:prstGeom prst="hexagon">
+                <a:avLst/>
+              </a:prstGeom>
+              <a:solidFill>
+                <a:srgbClr val="7030A0"/>
+              </a:solidFill>
+              <a:ln>
+                <a:solidFill>
+                  <a:srgbClr val="610B5B"/>
+                </a:solidFill>
+              </a:ln>
+            </p:spPr>
+            <p:style>
+              <a:lnRef idx="2">
+                <a:schemeClr val="accent1">
+                  <a:shade val="50000"/>
+                </a:schemeClr>
+              </a:lnRef>
+              <a:fillRef idx="1">
+                <a:schemeClr val="accent1"/>
+              </a:fillRef>
+              <a:effectRef idx="0">
+                <a:schemeClr val="accent1"/>
+              </a:effectRef>
+              <a:fontRef idx="minor">
+                <a:schemeClr val="lt1"/>
+              </a:fontRef>
+            </p:style>
+            <p:txBody>
+              <a:bodyPr rtlCol="0" anchor="ctr"/>
+              <a:lstStyle/>
+              <a:p>
+                <a:pPr algn="ctr"/>
+                <a:endParaRPr lang="ko-KR" altLang="en-US"/>
+              </a:p>
+            </p:txBody>
+          </p:sp>
+          <p:sp>
+            <p:nvSpPr>
+              <p:cNvPr id="65" name="육각형 64"/>
+              <p:cNvSpPr/>
+              <p:nvPr/>
+            </p:nvSpPr>
+            <p:spPr>
+              <a:xfrm rot="5400000">
+                <a:off x="3430169" y="2189700"/>
+                <a:ext cx="2498092" cy="2109669"/>
+              </a:xfrm>
+              <a:prstGeom prst="hexagon">
+                <a:avLst/>
+              </a:prstGeom>
+              <a:solidFill>
+                <a:srgbClr val="F3D7FF"/>
+              </a:solidFill>
+              <a:ln>
+                <a:solidFill>
+                  <a:srgbClr val="610B5B"/>
+                </a:solidFill>
+              </a:ln>
+            </p:spPr>
+            <p:style>
+              <a:lnRef idx="2">
+                <a:schemeClr val="accent1">
+                  <a:shade val="50000"/>
+                </a:schemeClr>
+              </a:lnRef>
+              <a:fillRef idx="1">
+                <a:schemeClr val="accent1"/>
+              </a:fillRef>
+              <a:effectRef idx="0">
+                <a:schemeClr val="accent1"/>
+              </a:effectRef>
+              <a:fontRef idx="minor">
+                <a:schemeClr val="lt1"/>
+              </a:fontRef>
+            </p:style>
+            <p:txBody>
+              <a:bodyPr rtlCol="0" anchor="ctr"/>
+              <a:lstStyle/>
+              <a:p>
+                <a:pPr algn="ctr"/>
+                <a:endParaRPr lang="ko-KR" altLang="en-US"/>
+              </a:p>
+            </p:txBody>
+          </p:sp>
+        </p:grpSp>
+        <p:pic>
+          <p:nvPicPr>
+            <p:cNvPr id="62" name="그림 61"/>
+            <p:cNvPicPr>
+              <a:picLocks noChangeAspect="1"/>
+            </p:cNvPicPr>
+            <p:nvPr/>
+          </p:nvPicPr>
+          <p:blipFill>
+            <a:blip r:embed="rId6">
+              <a:extLst>
+                <a:ext uri="{28A0092B-C50C-407E-A947-70E740481C1C}">
+                  <a14:useLocalDpi xmlns:a14="http://schemas.microsoft.com/office/drawing/2010/main" val="0"/>
+                </a:ext>
+              </a:extLst>
+            </a:blip>
+            <a:stretch>
+              <a:fillRect/>
+            </a:stretch>
+          </p:blipFill>
+          <p:spPr>
+            <a:xfrm>
+              <a:off x="5189407" y="4873943"/>
+              <a:ext cx="1370624" cy="1370624"/>
+            </a:xfrm>
+            <a:prstGeom prst="rect">
+              <a:avLst/>
+            </a:prstGeom>
+          </p:spPr>
+        </p:pic>
+        <p:sp>
+          <p:nvSpPr>
+            <p:cNvPr id="63" name="TextBox 62"/>
+            <p:cNvSpPr txBox="1"/>
+            <p:nvPr/>
+          </p:nvSpPr>
+          <p:spPr>
+            <a:xfrm>
+              <a:off x="5206380" y="4341726"/>
+              <a:ext cx="1474747" cy="523220"/>
+            </a:xfrm>
+            <a:prstGeom prst="rect">
+              <a:avLst/>
+            </a:prstGeom>
+            <a:noFill/>
+          </p:spPr>
+          <p:txBody>
+            <a:bodyPr wrap="square" rtlCol="0">
+              <a:spAutoFit/>
+            </a:bodyPr>
+            <a:lstStyle/>
+            <a:p>
+              <a:r>
+                <a:rPr lang="en-US" altLang="ko-KR" sz="2800" b="1" dirty="0" smtClean="0">
+                  <a:solidFill>
+                    <a:srgbClr val="7030A0"/>
+                  </a:solidFill>
+                  <a:latin typeface="Franklin Gothic Heavy" panose="020B0903020102020204" pitchFamily="34" charset="0"/>
+                </a:rPr>
+                <a:t>Quasar</a:t>
+              </a:r>
+              <a:endParaRPr lang="ko-KR" altLang="en-US" sz="2800" b="1" dirty="0">
+                <a:solidFill>
+                  <a:srgbClr val="7030A0"/>
+                </a:solidFill>
+                <a:latin typeface="Franklin Gothic Heavy" panose="020B0903020102020204" pitchFamily="34" charset="0"/>
+              </a:endParaRPr>
+            </a:p>
+          </p:txBody>
+        </p:sp>
+      </p:grpSp>
+      <p:grpSp>
+        <p:nvGrpSpPr>
+          <p:cNvPr id="13" name="그룹 12"/>
+          <p:cNvGrpSpPr/>
+          <p:nvPr/>
+        </p:nvGrpSpPr>
+        <p:grpSpPr>
+          <a:xfrm>
+            <a:off x="11448493" y="-3760470"/>
+            <a:ext cx="2374872" cy="2781300"/>
+            <a:chOff x="8028529" y="-470297"/>
+            <a:chExt cx="2374872" cy="2781300"/>
+          </a:xfrm>
+        </p:grpSpPr>
+        <p:grpSp>
+          <p:nvGrpSpPr>
+            <p:cNvPr id="57" name="그룹 56"/>
+            <p:cNvGrpSpPr/>
+            <p:nvPr/>
+          </p:nvGrpSpPr>
+          <p:grpSpPr>
+            <a:xfrm>
+              <a:off x="8028529" y="-470297"/>
+              <a:ext cx="2374872" cy="2781300"/>
+              <a:chOff x="3492528" y="1847850"/>
+              <a:chExt cx="2374872" cy="2781300"/>
+            </a:xfrm>
+          </p:grpSpPr>
+          <p:sp>
+            <p:nvSpPr>
+              <p:cNvPr id="59" name="육각형 58"/>
+              <p:cNvSpPr/>
+              <p:nvPr/>
+            </p:nvSpPr>
+            <p:spPr>
+              <a:xfrm rot="5400000">
+                <a:off x="3289314" y="2051064"/>
+                <a:ext cx="2781300" cy="2374872"/>
+              </a:xfrm>
+              <a:prstGeom prst="hexagon">
+                <a:avLst/>
+              </a:prstGeom>
+              <a:solidFill>
+                <a:schemeClr val="tx1"/>
+              </a:solidFill>
+              <a:ln>
+                <a:solidFill>
+                  <a:schemeClr val="tx1">
+                    <a:lumMod val="85000"/>
+                    <a:lumOff val="15000"/>
+                  </a:schemeClr>
+                </a:solidFill>
+              </a:ln>
+            </p:spPr>
+            <p:style>
+              <a:lnRef idx="2">
+                <a:schemeClr val="accent1">
+                  <a:shade val="50000"/>
+                </a:schemeClr>
+              </a:lnRef>
+              <a:fillRef idx="1">
+                <a:schemeClr val="accent1"/>
+              </a:fillRef>
+              <a:effectRef idx="0">
+                <a:schemeClr val="accent1"/>
+              </a:effectRef>
+              <a:fontRef idx="minor">
+                <a:schemeClr val="lt1"/>
+              </a:fontRef>
+            </p:style>
+            <p:txBody>
+              <a:bodyPr rtlCol="0" anchor="ctr"/>
+              <a:lstStyle/>
+              <a:p>
+                <a:pPr algn="ctr"/>
+                <a:endParaRPr lang="ko-KR" altLang="en-US"/>
+              </a:p>
+            </p:txBody>
+          </p:sp>
+          <p:sp>
+            <p:nvSpPr>
+              <p:cNvPr id="60" name="육각형 59"/>
+              <p:cNvSpPr/>
+              <p:nvPr/>
+            </p:nvSpPr>
+            <p:spPr>
+              <a:xfrm rot="5400000">
+                <a:off x="3430169" y="2189700"/>
+                <a:ext cx="2498092" cy="2109669"/>
+              </a:xfrm>
+              <a:prstGeom prst="hexagon">
+                <a:avLst/>
+              </a:prstGeom>
+              <a:solidFill>
+                <a:schemeClr val="bg1">
+                  <a:lumMod val="95000"/>
+                </a:schemeClr>
+              </a:solidFill>
+              <a:ln>
+                <a:solidFill>
+                  <a:schemeClr val="tx1">
+                    <a:lumMod val="85000"/>
+                    <a:lumOff val="15000"/>
+                  </a:schemeClr>
+                </a:solidFill>
+              </a:ln>
+            </p:spPr>
+            <p:style>
+              <a:lnRef idx="2">
+                <a:schemeClr val="accent1">
+                  <a:shade val="50000"/>
+                </a:schemeClr>
+              </a:lnRef>
+              <a:fillRef idx="1">
+                <a:schemeClr val="accent1"/>
+              </a:fillRef>
+              <a:effectRef idx="0">
+                <a:schemeClr val="accent1"/>
+              </a:effectRef>
+              <a:fontRef idx="minor">
+                <a:schemeClr val="lt1"/>
+              </a:fontRef>
+            </p:style>
+            <p:txBody>
+              <a:bodyPr rtlCol="0" anchor="ctr"/>
+              <a:lstStyle/>
+              <a:p>
+                <a:pPr algn="ctr"/>
+                <a:endParaRPr lang="ko-KR" altLang="en-US"/>
+              </a:p>
+            </p:txBody>
+          </p:sp>
+        </p:grpSp>
+        <p:pic>
+          <p:nvPicPr>
+            <p:cNvPr id="58" name="그림 57"/>
+            <p:cNvPicPr>
+              <a:picLocks noChangeAspect="1"/>
+            </p:cNvPicPr>
+            <p:nvPr/>
+          </p:nvPicPr>
+          <p:blipFill>
+            <a:blip r:embed="rId7" cstate="print">
+              <a:extLst>
+                <a:ext uri="{28A0092B-C50C-407E-A947-70E740481C1C}">
+                  <a14:useLocalDpi xmlns:a14="http://schemas.microsoft.com/office/drawing/2010/main" val="0"/>
+                </a:ext>
+              </a:extLst>
+            </a:blip>
+            <a:stretch>
+              <a:fillRect/>
+            </a:stretch>
+          </p:blipFill>
+          <p:spPr>
+            <a:xfrm>
+              <a:off x="8677053" y="-131350"/>
+              <a:ext cx="1076325" cy="1969675"/>
+            </a:xfrm>
+            <a:prstGeom prst="rect">
+              <a:avLst/>
+            </a:prstGeom>
+          </p:spPr>
+        </p:pic>
+      </p:grpSp>
+      <p:grpSp>
+        <p:nvGrpSpPr>
+          <p:cNvPr id="14" name="그룹 13"/>
+          <p:cNvGrpSpPr/>
+          <p:nvPr/>
+        </p:nvGrpSpPr>
+        <p:grpSpPr>
+          <a:xfrm>
+            <a:off x="7881406" y="-1569761"/>
+            <a:ext cx="2374872" cy="2781300"/>
+            <a:chOff x="2297305" y="4000500"/>
+            <a:chExt cx="2374872" cy="2781300"/>
+          </a:xfrm>
+        </p:grpSpPr>
+        <p:grpSp>
+          <p:nvGrpSpPr>
+            <p:cNvPr id="53" name="그룹 52"/>
+            <p:cNvGrpSpPr/>
+            <p:nvPr/>
+          </p:nvGrpSpPr>
+          <p:grpSpPr>
+            <a:xfrm>
+              <a:off x="2297305" y="4000500"/>
+              <a:ext cx="2374872" cy="2781300"/>
+              <a:chOff x="3492528" y="1847850"/>
+              <a:chExt cx="2374872" cy="2781300"/>
+            </a:xfrm>
+          </p:grpSpPr>
+          <p:sp>
+            <p:nvSpPr>
+              <p:cNvPr id="55" name="육각형 54"/>
+              <p:cNvSpPr/>
+              <p:nvPr/>
+            </p:nvSpPr>
+            <p:spPr>
+              <a:xfrm rot="5400000">
+                <a:off x="3289314" y="2051064"/>
+                <a:ext cx="2781300" cy="2374872"/>
+              </a:xfrm>
+              <a:prstGeom prst="hexagon">
+                <a:avLst/>
+              </a:prstGeom>
+              <a:solidFill>
+                <a:srgbClr val="92D050"/>
+              </a:solidFill>
+              <a:ln>
+                <a:solidFill>
+                  <a:srgbClr val="4C9719"/>
+                </a:solidFill>
+              </a:ln>
+            </p:spPr>
+            <p:style>
+              <a:lnRef idx="2">
+                <a:schemeClr val="accent1">
+                  <a:shade val="50000"/>
+                </a:schemeClr>
+              </a:lnRef>
+              <a:fillRef idx="1">
+                <a:schemeClr val="accent1"/>
+              </a:fillRef>
+              <a:effectRef idx="0">
+                <a:schemeClr val="accent1"/>
+              </a:effectRef>
+              <a:fontRef idx="minor">
+                <a:schemeClr val="lt1"/>
+              </a:fontRef>
+            </p:style>
+            <p:txBody>
+              <a:bodyPr rtlCol="0" anchor="ctr"/>
+              <a:lstStyle/>
+              <a:p>
+                <a:pPr algn="ctr"/>
+                <a:endParaRPr lang="ko-KR" altLang="en-US"/>
+              </a:p>
+            </p:txBody>
+          </p:sp>
+          <p:sp>
+            <p:nvSpPr>
+              <p:cNvPr id="56" name="육각형 55"/>
+              <p:cNvSpPr/>
+              <p:nvPr/>
+            </p:nvSpPr>
+            <p:spPr>
+              <a:xfrm rot="5400000">
+                <a:off x="3430169" y="2189700"/>
+                <a:ext cx="2498092" cy="2109669"/>
+              </a:xfrm>
+              <a:prstGeom prst="hexagon">
+                <a:avLst/>
+              </a:prstGeom>
+              <a:solidFill>
+                <a:srgbClr val="E4FBCF"/>
+              </a:solidFill>
+              <a:ln>
+                <a:solidFill>
+                  <a:srgbClr val="C3F0A4"/>
+                </a:solidFill>
+              </a:ln>
+            </p:spPr>
+            <p:style>
+              <a:lnRef idx="2">
+                <a:schemeClr val="accent1">
+                  <a:shade val="50000"/>
+                </a:schemeClr>
+              </a:lnRef>
+              <a:fillRef idx="1">
+                <a:schemeClr val="accent1"/>
+              </a:fillRef>
+              <a:effectRef idx="0">
+                <a:schemeClr val="accent1"/>
+              </a:effectRef>
+              <a:fontRef idx="minor">
+                <a:schemeClr val="lt1"/>
+              </a:fontRef>
+            </p:style>
+            <p:txBody>
+              <a:bodyPr rtlCol="0" anchor="ctr"/>
+              <a:lstStyle/>
+              <a:p>
+                <a:pPr algn="ctr"/>
+                <a:endParaRPr lang="ko-KR" altLang="en-US"/>
+              </a:p>
+            </p:txBody>
+          </p:sp>
+        </p:grpSp>
+        <p:sp>
+          <p:nvSpPr>
+            <p:cNvPr id="54" name="TextBox 53"/>
+            <p:cNvSpPr txBox="1"/>
+            <p:nvPr/>
+          </p:nvSpPr>
+          <p:spPr>
+            <a:xfrm>
+              <a:off x="2401083" y="4505191"/>
+              <a:ext cx="2230422" cy="523220"/>
+            </a:xfrm>
+            <a:prstGeom prst="rect">
+              <a:avLst/>
+            </a:prstGeom>
+            <a:noFill/>
+          </p:spPr>
+          <p:txBody>
+            <a:bodyPr wrap="square" rtlCol="0">
+              <a:spAutoFit/>
+            </a:bodyPr>
+            <a:lstStyle/>
+            <a:p>
+              <a:r>
+                <a:rPr lang="en-US" altLang="ko-KR" sz="2800" b="1" dirty="0" smtClean="0">
+                  <a:solidFill>
+                    <a:schemeClr val="accent6">
+                      <a:lumMod val="50000"/>
+                    </a:schemeClr>
+                  </a:solidFill>
+                  <a:latin typeface="Franklin Gothic Heavy" panose="020B0903020102020204" pitchFamily="34" charset="0"/>
+                </a:rPr>
+                <a:t>Spring Boot</a:t>
+              </a:r>
+              <a:endParaRPr lang="ko-KR" altLang="en-US" sz="2800" b="1" dirty="0">
+                <a:solidFill>
+                  <a:schemeClr val="accent6">
+                    <a:lumMod val="50000"/>
+                  </a:schemeClr>
+                </a:solidFill>
+                <a:latin typeface="Franklin Gothic Heavy" panose="020B0903020102020204" pitchFamily="34" charset="0"/>
+              </a:endParaRPr>
+            </a:p>
+          </p:txBody>
+        </p:sp>
+      </p:grpSp>
+      <p:pic>
+        <p:nvPicPr>
+          <p:cNvPr id="15" name="그림 14"/>
+          <p:cNvPicPr>
+            <a:picLocks noChangeAspect="1"/>
+          </p:cNvPicPr>
+          <p:nvPr/>
+        </p:nvPicPr>
+        <p:blipFill>
+          <a:blip r:embed="rId8" cstate="print">
+            <a:extLst>
+              <a:ext uri="{28A0092B-C50C-407E-A947-70E740481C1C}">
+                <a14:useLocalDpi xmlns:a14="http://schemas.microsoft.com/office/drawing/2010/main" val="0"/>
+              </a:ext>
+            </a:extLst>
+          </a:blip>
+          <a:stretch>
+            <a:fillRect/>
+          </a:stretch>
+        </p:blipFill>
+        <p:spPr>
+          <a:xfrm>
+            <a:off x="8445338" y="-636598"/>
+            <a:ext cx="1288388" cy="1294710"/>
+          </a:xfrm>
+          <a:prstGeom prst="rect">
+            <a:avLst/>
+          </a:prstGeom>
+        </p:spPr>
+      </p:pic>
+      <p:grpSp>
+        <p:nvGrpSpPr>
+          <p:cNvPr id="16" name="그룹 15"/>
+          <p:cNvGrpSpPr/>
+          <p:nvPr/>
+        </p:nvGrpSpPr>
+        <p:grpSpPr>
+          <a:xfrm>
+            <a:off x="9071675" y="-3759279"/>
+            <a:ext cx="2374872" cy="2781300"/>
+            <a:chOff x="7068444" y="-354949"/>
+            <a:chExt cx="2374872" cy="2781300"/>
+          </a:xfrm>
+        </p:grpSpPr>
+        <p:grpSp>
+          <p:nvGrpSpPr>
+            <p:cNvPr id="49" name="그룹 48"/>
+            <p:cNvGrpSpPr/>
+            <p:nvPr/>
+          </p:nvGrpSpPr>
+          <p:grpSpPr>
+            <a:xfrm>
+              <a:off x="7068444" y="-354949"/>
+              <a:ext cx="2374872" cy="2781300"/>
+              <a:chOff x="3492528" y="1847850"/>
+              <a:chExt cx="2374872" cy="2781300"/>
+            </a:xfrm>
+          </p:grpSpPr>
+          <p:sp>
+            <p:nvSpPr>
+              <p:cNvPr id="51" name="육각형 50"/>
+              <p:cNvSpPr/>
+              <p:nvPr/>
+            </p:nvSpPr>
+            <p:spPr>
+              <a:xfrm rot="5400000">
+                <a:off x="3289314" y="2051064"/>
+                <a:ext cx="2781300" cy="2374872"/>
+              </a:xfrm>
+              <a:prstGeom prst="hexagon">
+                <a:avLst/>
+              </a:prstGeom>
+              <a:solidFill>
+                <a:srgbClr val="009999"/>
+              </a:solidFill>
+              <a:ln>
+                <a:solidFill>
+                  <a:srgbClr val="206E5F"/>
+                </a:solidFill>
+              </a:ln>
+            </p:spPr>
+            <p:style>
+              <a:lnRef idx="2">
+                <a:schemeClr val="accent1">
+                  <a:shade val="50000"/>
+                </a:schemeClr>
+              </a:lnRef>
+              <a:fillRef idx="1">
+                <a:schemeClr val="accent1"/>
+              </a:fillRef>
+              <a:effectRef idx="0">
+                <a:schemeClr val="accent1"/>
+              </a:effectRef>
+              <a:fontRef idx="minor">
+                <a:schemeClr val="lt1"/>
+              </a:fontRef>
+            </p:style>
+            <p:txBody>
+              <a:bodyPr rtlCol="0" anchor="ctr"/>
+              <a:lstStyle/>
+              <a:p>
+                <a:pPr algn="ctr"/>
+                <a:endParaRPr lang="ko-KR" altLang="en-US"/>
+              </a:p>
+            </p:txBody>
+          </p:sp>
+          <p:sp>
+            <p:nvSpPr>
+              <p:cNvPr id="52" name="육각형 51"/>
+              <p:cNvSpPr/>
+              <p:nvPr/>
+            </p:nvSpPr>
+            <p:spPr>
+              <a:xfrm rot="5400000">
+                <a:off x="3430169" y="2189700"/>
+                <a:ext cx="2498092" cy="2109669"/>
+              </a:xfrm>
+              <a:prstGeom prst="hexagon">
+                <a:avLst/>
+              </a:prstGeom>
+              <a:solidFill>
+                <a:srgbClr val="C0EAE5"/>
+              </a:solidFill>
+              <a:ln>
+                <a:solidFill>
+                  <a:srgbClr val="009999"/>
+                </a:solidFill>
+              </a:ln>
+            </p:spPr>
+            <p:style>
+              <a:lnRef idx="2">
+                <a:schemeClr val="accent1">
+                  <a:shade val="50000"/>
+                </a:schemeClr>
+              </a:lnRef>
+              <a:fillRef idx="1">
+                <a:schemeClr val="accent1"/>
+              </a:fillRef>
+              <a:effectRef idx="0">
+                <a:schemeClr val="accent1"/>
+              </a:effectRef>
+              <a:fontRef idx="minor">
+                <a:schemeClr val="lt1"/>
+              </a:fontRef>
+            </p:style>
+            <p:txBody>
+              <a:bodyPr rtlCol="0" anchor="ctr"/>
+              <a:lstStyle/>
+              <a:p>
+                <a:pPr algn="ctr"/>
+                <a:endParaRPr lang="ko-KR" altLang="en-US"/>
+              </a:p>
+            </p:txBody>
+          </p:sp>
+        </p:grpSp>
+        <p:pic>
+          <p:nvPicPr>
+            <p:cNvPr id="50" name="그림 49"/>
+            <p:cNvPicPr>
+              <a:picLocks noChangeAspect="1"/>
+            </p:cNvPicPr>
+            <p:nvPr/>
+          </p:nvPicPr>
+          <p:blipFill>
+            <a:blip r:embed="rId9">
+              <a:extLst>
+                <a:ext uri="{28A0092B-C50C-407E-A947-70E740481C1C}">
+                  <a14:useLocalDpi xmlns:a14="http://schemas.microsoft.com/office/drawing/2010/main" val="0"/>
+                </a:ext>
+              </a:extLst>
+            </a:blip>
+            <a:stretch>
+              <a:fillRect/>
+            </a:stretch>
+          </p:blipFill>
+          <p:spPr>
+            <a:xfrm>
+              <a:off x="7432885" y="260082"/>
+              <a:ext cx="1678881" cy="1678881"/>
+            </a:xfrm>
+            <a:prstGeom prst="rect">
+              <a:avLst/>
+            </a:prstGeom>
+          </p:spPr>
+        </p:pic>
+      </p:grpSp>
+      <p:grpSp>
+        <p:nvGrpSpPr>
+          <p:cNvPr id="17" name="그룹 16"/>
+          <p:cNvGrpSpPr/>
+          <p:nvPr/>
+        </p:nvGrpSpPr>
+        <p:grpSpPr>
+          <a:xfrm>
+            <a:off x="7875768" y="-5961453"/>
+            <a:ext cx="2374872" cy="2781300"/>
+            <a:chOff x="4713024" y="-323850"/>
+            <a:chExt cx="2374872" cy="2781300"/>
+          </a:xfrm>
+        </p:grpSpPr>
+        <p:grpSp>
+          <p:nvGrpSpPr>
+            <p:cNvPr id="44" name="그룹 43"/>
+            <p:cNvGrpSpPr/>
+            <p:nvPr/>
+          </p:nvGrpSpPr>
+          <p:grpSpPr>
+            <a:xfrm>
+              <a:off x="4713024" y="-323850"/>
+              <a:ext cx="2374872" cy="2781300"/>
+              <a:chOff x="3492528" y="1847850"/>
+              <a:chExt cx="2374872" cy="2781300"/>
+            </a:xfrm>
+          </p:grpSpPr>
+          <p:sp>
+            <p:nvSpPr>
+              <p:cNvPr id="47" name="육각형 46"/>
+              <p:cNvSpPr/>
+              <p:nvPr/>
+            </p:nvSpPr>
+            <p:spPr>
+              <a:xfrm rot="5400000">
+                <a:off x="3289314" y="2051064"/>
+                <a:ext cx="2781300" cy="2374872"/>
+              </a:xfrm>
+              <a:prstGeom prst="hexagon">
+                <a:avLst/>
+              </a:prstGeom>
+              <a:solidFill>
+                <a:srgbClr val="FF9999"/>
+              </a:solidFill>
+              <a:ln>
+                <a:solidFill>
+                  <a:srgbClr val="F16529"/>
+                </a:solidFill>
+              </a:ln>
+            </p:spPr>
+            <p:style>
+              <a:lnRef idx="2">
+                <a:schemeClr val="accent1">
+                  <a:shade val="50000"/>
+                </a:schemeClr>
+              </a:lnRef>
+              <a:fillRef idx="1">
+                <a:schemeClr val="accent1"/>
+              </a:fillRef>
+              <a:effectRef idx="0">
+                <a:schemeClr val="accent1"/>
+              </a:effectRef>
+              <a:fontRef idx="minor">
+                <a:schemeClr val="lt1"/>
+              </a:fontRef>
+            </p:style>
+            <p:txBody>
+              <a:bodyPr rtlCol="0" anchor="ctr"/>
+              <a:lstStyle/>
+              <a:p>
+                <a:pPr algn="ctr"/>
+                <a:endParaRPr lang="ko-KR" altLang="en-US"/>
+              </a:p>
+            </p:txBody>
+          </p:sp>
+          <p:sp>
+            <p:nvSpPr>
+              <p:cNvPr id="48" name="육각형 47"/>
+              <p:cNvSpPr/>
+              <p:nvPr/>
+            </p:nvSpPr>
+            <p:spPr>
+              <a:xfrm rot="5400000">
+                <a:off x="3430169" y="2189700"/>
+                <a:ext cx="2498092" cy="2109669"/>
+              </a:xfrm>
+              <a:prstGeom prst="hexagon">
+                <a:avLst/>
+              </a:prstGeom>
+              <a:solidFill>
+                <a:srgbClr val="FFEEE5"/>
+              </a:solidFill>
+              <a:ln>
+                <a:solidFill>
+                  <a:srgbClr val="F16529"/>
+                </a:solidFill>
+              </a:ln>
+            </p:spPr>
+            <p:style>
+              <a:lnRef idx="2">
+                <a:schemeClr val="accent1">
+                  <a:shade val="50000"/>
+                </a:schemeClr>
+              </a:lnRef>
+              <a:fillRef idx="1">
+                <a:schemeClr val="accent1"/>
+              </a:fillRef>
+              <a:effectRef idx="0">
+                <a:schemeClr val="accent1"/>
+              </a:effectRef>
+              <a:fontRef idx="minor">
+                <a:schemeClr val="lt1"/>
+              </a:fontRef>
+            </p:style>
+            <p:txBody>
+              <a:bodyPr rtlCol="0" anchor="ctr"/>
+              <a:lstStyle/>
+              <a:p>
+                <a:pPr algn="ctr"/>
+                <a:endParaRPr lang="ko-KR" altLang="en-US"/>
+              </a:p>
+            </p:txBody>
+          </p:sp>
+        </p:grpSp>
+        <p:pic>
+          <p:nvPicPr>
+            <p:cNvPr id="45" name="그림 44"/>
+            <p:cNvPicPr>
+              <a:picLocks noChangeAspect="1"/>
+            </p:cNvPicPr>
+            <p:nvPr/>
+          </p:nvPicPr>
+          <p:blipFill>
+            <a:blip r:embed="rId10">
+              <a:extLst>
+                <a:ext uri="{28A0092B-C50C-407E-A947-70E740481C1C}">
+                  <a14:useLocalDpi xmlns:a14="http://schemas.microsoft.com/office/drawing/2010/main" val="0"/>
+                </a:ext>
+              </a:extLst>
+            </a:blip>
+            <a:stretch>
+              <a:fillRect/>
+            </a:stretch>
+          </p:blipFill>
+          <p:spPr>
+            <a:xfrm>
+              <a:off x="5260507" y="575949"/>
+              <a:ext cx="1299524" cy="1299524"/>
+            </a:xfrm>
+            <a:prstGeom prst="rect">
+              <a:avLst/>
+            </a:prstGeom>
+          </p:spPr>
+        </p:pic>
+        <p:sp>
+          <p:nvSpPr>
+            <p:cNvPr id="46" name="TextBox 45"/>
+            <p:cNvSpPr txBox="1"/>
+            <p:nvPr/>
+          </p:nvSpPr>
+          <p:spPr>
+            <a:xfrm>
+              <a:off x="5225697" y="75373"/>
+              <a:ext cx="1455430" cy="523220"/>
+            </a:xfrm>
+            <a:prstGeom prst="rect">
+              <a:avLst/>
+            </a:prstGeom>
+            <a:noFill/>
+          </p:spPr>
+          <p:txBody>
+            <a:bodyPr wrap="square" rtlCol="0">
+              <a:spAutoFit/>
+            </a:bodyPr>
+            <a:lstStyle/>
+            <a:p>
+              <a:r>
+                <a:rPr lang="en-US" altLang="ko-KR" sz="2800" b="1" dirty="0" smtClean="0">
+                  <a:solidFill>
+                    <a:schemeClr val="tx1">
+                      <a:lumMod val="85000"/>
+                      <a:lumOff val="15000"/>
+                    </a:schemeClr>
+                  </a:solidFill>
+                  <a:latin typeface="Franklin Gothic Heavy" panose="020B0903020102020204" pitchFamily="34" charset="0"/>
+                </a:rPr>
+                <a:t>Ubuntu</a:t>
+              </a:r>
+              <a:endParaRPr lang="ko-KR" altLang="en-US" sz="2800" b="1" dirty="0">
+                <a:solidFill>
+                  <a:schemeClr val="tx1">
+                    <a:lumMod val="85000"/>
+                    <a:lumOff val="15000"/>
+                  </a:schemeClr>
+                </a:solidFill>
+                <a:latin typeface="Franklin Gothic Heavy" panose="020B0903020102020204" pitchFamily="34" charset="0"/>
+              </a:endParaRPr>
+            </a:p>
+          </p:txBody>
+        </p:sp>
+      </p:grpSp>
+      <p:grpSp>
+        <p:nvGrpSpPr>
+          <p:cNvPr id="18" name="그룹 17"/>
+          <p:cNvGrpSpPr/>
+          <p:nvPr/>
+        </p:nvGrpSpPr>
+        <p:grpSpPr>
+          <a:xfrm>
+            <a:off x="10252232" y="-5957235"/>
+            <a:ext cx="2374872" cy="2781300"/>
+            <a:chOff x="2342033" y="-333375"/>
+            <a:chExt cx="2374872" cy="2781300"/>
+          </a:xfrm>
+        </p:grpSpPr>
+        <p:grpSp>
+          <p:nvGrpSpPr>
+            <p:cNvPr id="40" name="그룹 39"/>
+            <p:cNvGrpSpPr/>
+            <p:nvPr/>
+          </p:nvGrpSpPr>
+          <p:grpSpPr>
+            <a:xfrm>
+              <a:off x="2342033" y="-333375"/>
+              <a:ext cx="2374872" cy="2781300"/>
+              <a:chOff x="3492528" y="1847850"/>
+              <a:chExt cx="2374872" cy="2781300"/>
+            </a:xfrm>
+          </p:grpSpPr>
+          <p:sp>
+            <p:nvSpPr>
+              <p:cNvPr id="42" name="육각형 41"/>
+              <p:cNvSpPr/>
+              <p:nvPr/>
+            </p:nvSpPr>
+            <p:spPr>
+              <a:xfrm rot="5400000">
+                <a:off x="3289314" y="2051064"/>
+                <a:ext cx="2781300" cy="2374872"/>
+              </a:xfrm>
+              <a:prstGeom prst="hexagon">
+                <a:avLst/>
+              </a:prstGeom>
+              <a:solidFill>
+                <a:srgbClr val="0D974D"/>
+              </a:solidFill>
+              <a:ln>
+                <a:solidFill>
+                  <a:srgbClr val="0D974D"/>
+                </a:solidFill>
+              </a:ln>
+            </p:spPr>
+            <p:style>
+              <a:lnRef idx="2">
+                <a:schemeClr val="accent1">
+                  <a:shade val="50000"/>
+                </a:schemeClr>
+              </a:lnRef>
+              <a:fillRef idx="1">
+                <a:schemeClr val="accent1"/>
+              </a:fillRef>
+              <a:effectRef idx="0">
+                <a:schemeClr val="accent1"/>
+              </a:effectRef>
+              <a:fontRef idx="minor">
+                <a:schemeClr val="lt1"/>
+              </a:fontRef>
+            </p:style>
+            <p:txBody>
+              <a:bodyPr rtlCol="0" anchor="ctr"/>
+              <a:lstStyle/>
+              <a:p>
+                <a:pPr algn="ctr"/>
+                <a:endParaRPr lang="ko-KR" altLang="en-US"/>
+              </a:p>
+            </p:txBody>
+          </p:sp>
+          <p:sp>
+            <p:nvSpPr>
+              <p:cNvPr id="43" name="육각형 42"/>
+              <p:cNvSpPr/>
+              <p:nvPr/>
+            </p:nvSpPr>
+            <p:spPr>
+              <a:xfrm rot="5400000">
+                <a:off x="3430169" y="2189700"/>
+                <a:ext cx="2498092" cy="2109669"/>
+              </a:xfrm>
+              <a:prstGeom prst="hexagon">
+                <a:avLst/>
+              </a:prstGeom>
+              <a:solidFill>
+                <a:schemeClr val="tx1"/>
+              </a:solidFill>
+              <a:ln>
+                <a:solidFill>
+                  <a:srgbClr val="0D974D"/>
+                </a:solidFill>
+              </a:ln>
+            </p:spPr>
+            <p:style>
+              <a:lnRef idx="2">
+                <a:schemeClr val="accent1">
+                  <a:shade val="50000"/>
+                </a:schemeClr>
+              </a:lnRef>
+              <a:fillRef idx="1">
+                <a:schemeClr val="accent1"/>
+              </a:fillRef>
+              <a:effectRef idx="0">
+                <a:schemeClr val="accent1"/>
+              </a:effectRef>
+              <a:fontRef idx="minor">
+                <a:schemeClr val="lt1"/>
+              </a:fontRef>
+            </p:style>
+            <p:txBody>
+              <a:bodyPr rtlCol="0" anchor="ctr"/>
+              <a:lstStyle/>
+              <a:p>
+                <a:pPr algn="ctr"/>
+                <a:endParaRPr lang="ko-KR" altLang="en-US"/>
+              </a:p>
+            </p:txBody>
+          </p:sp>
+        </p:grpSp>
+        <p:pic>
+          <p:nvPicPr>
+            <p:cNvPr id="41" name="그림 40"/>
+            <p:cNvPicPr>
+              <a:picLocks noChangeAspect="1"/>
+            </p:cNvPicPr>
+            <p:nvPr/>
+          </p:nvPicPr>
+          <p:blipFill>
+            <a:blip r:embed="rId11" cstate="print">
+              <a:extLst>
+                <a:ext uri="{28A0092B-C50C-407E-A947-70E740481C1C}">
+                  <a14:useLocalDpi xmlns:a14="http://schemas.microsoft.com/office/drawing/2010/main" val="0"/>
+                </a:ext>
+              </a:extLst>
+            </a:blip>
+            <a:stretch>
+              <a:fillRect/>
+            </a:stretch>
+          </p:blipFill>
+          <p:spPr>
+            <a:xfrm>
+              <a:off x="2540510" y="711579"/>
+              <a:ext cx="1993490" cy="669339"/>
+            </a:xfrm>
+            <a:prstGeom prst="rect">
+              <a:avLst/>
+            </a:prstGeom>
+          </p:spPr>
+        </p:pic>
+      </p:grpSp>
+      <p:grpSp>
+        <p:nvGrpSpPr>
+          <p:cNvPr id="19" name="그룹 18"/>
+          <p:cNvGrpSpPr/>
+          <p:nvPr/>
+        </p:nvGrpSpPr>
+        <p:grpSpPr>
+          <a:xfrm>
+            <a:off x="10259260" y="-1584587"/>
+            <a:ext cx="2374872" cy="2781300"/>
+            <a:chOff x="3492528" y="1847850"/>
+            <a:chExt cx="2374872" cy="2781300"/>
+          </a:xfrm>
+        </p:grpSpPr>
+        <p:sp>
+          <p:nvSpPr>
+            <p:cNvPr id="38" name="육각형 37"/>
+            <p:cNvSpPr/>
+            <p:nvPr/>
+          </p:nvSpPr>
+          <p:spPr>
+            <a:xfrm rot="5400000">
+              <a:off x="3289314" y="2051064"/>
+              <a:ext cx="2781300" cy="2374872"/>
+            </a:xfrm>
+            <a:prstGeom prst="hexagon">
+              <a:avLst/>
+            </a:prstGeom>
+            <a:solidFill>
+              <a:srgbClr val="0C62DC"/>
+            </a:solidFill>
+            <a:ln>
+              <a:solidFill>
+                <a:srgbClr val="0D974D"/>
+              </a:solidFill>
+            </a:ln>
+          </p:spPr>
+          <p:style>
+            <a:lnRef idx="2">
+              <a:schemeClr val="accent1">
+                <a:shade val="50000"/>
+              </a:schemeClr>
+            </a:lnRef>
+            <a:fillRef idx="1">
+              <a:schemeClr val="accent1"/>
+            </a:fillRef>
+            <a:effectRef idx="0">
+              <a:schemeClr val="accent1"/>
+            </a:effectRef>
+            <a:fontRef idx="minor">
+              <a:schemeClr val="lt1"/>
+            </a:fontRef>
+          </p:style>
+          <p:txBody>
+            <a:bodyPr rtlCol="0" anchor="ctr"/>
+            <a:lstStyle/>
+            <a:p>
+              <a:pPr algn="ctr"/>
+              <a:endParaRPr lang="ko-KR" altLang="en-US"/>
+            </a:p>
+          </p:txBody>
+        </p:sp>
+        <p:sp>
+          <p:nvSpPr>
+            <p:cNvPr id="39" name="육각형 38"/>
+            <p:cNvSpPr/>
+            <p:nvPr/>
+          </p:nvSpPr>
+          <p:spPr>
+            <a:xfrm rot="5400000">
+              <a:off x="3430169" y="2189700"/>
+              <a:ext cx="2498092" cy="2109669"/>
+            </a:xfrm>
+            <a:prstGeom prst="hexagon">
+              <a:avLst/>
+            </a:prstGeom>
+            <a:solidFill>
+              <a:schemeClr val="accent1">
+                <a:lumMod val="20000"/>
+                <a:lumOff val="80000"/>
+              </a:schemeClr>
+            </a:solidFill>
+            <a:ln>
+              <a:solidFill>
+                <a:srgbClr val="0D974D"/>
+              </a:solidFill>
+            </a:ln>
+          </p:spPr>
+          <p:style>
+            <a:lnRef idx="2">
+              <a:schemeClr val="accent1">
+                <a:shade val="50000"/>
+              </a:schemeClr>
+            </a:lnRef>
+            <a:fillRef idx="1">
+              <a:schemeClr val="accent1"/>
+            </a:fillRef>
+            <a:effectRef idx="0">
+              <a:schemeClr val="accent1"/>
+            </a:effectRef>
+            <a:fontRef idx="minor">
+              <a:schemeClr val="lt1"/>
+            </a:fontRef>
+          </p:style>
+          <p:txBody>
+            <a:bodyPr rtlCol="0" anchor="ctr"/>
+            <a:lstStyle/>
+            <a:p>
+              <a:pPr algn="ctr"/>
+              <a:endParaRPr lang="ko-KR" altLang="en-US"/>
+            </a:p>
+          </p:txBody>
+        </p:sp>
+      </p:grpSp>
+      <p:grpSp>
+        <p:nvGrpSpPr>
+          <p:cNvPr id="20" name="그룹 19"/>
+          <p:cNvGrpSpPr/>
+          <p:nvPr/>
+        </p:nvGrpSpPr>
+        <p:grpSpPr>
+          <a:xfrm>
+            <a:off x="13817544" y="-3769995"/>
+            <a:ext cx="2374872" cy="2781300"/>
+            <a:chOff x="3492528" y="1847850"/>
+            <a:chExt cx="2374872" cy="2781300"/>
+          </a:xfrm>
+        </p:grpSpPr>
+        <p:sp>
+          <p:nvSpPr>
+            <p:cNvPr id="36" name="육각형 35"/>
+            <p:cNvSpPr/>
+            <p:nvPr/>
+          </p:nvSpPr>
+          <p:spPr>
+            <a:xfrm rot="5400000">
+              <a:off x="3289314" y="2051064"/>
+              <a:ext cx="2781300" cy="2374872"/>
+            </a:xfrm>
+            <a:prstGeom prst="hexagon">
+              <a:avLst/>
+            </a:prstGeom>
+            <a:solidFill>
+              <a:schemeClr val="accent5">
+                <a:lumMod val="50000"/>
+              </a:schemeClr>
+            </a:solidFill>
+            <a:ln>
+              <a:solidFill>
+                <a:schemeClr val="accent5">
+                  <a:lumMod val="75000"/>
+                </a:schemeClr>
+              </a:solidFill>
+            </a:ln>
+          </p:spPr>
+          <p:style>
+            <a:lnRef idx="2">
+              <a:schemeClr val="accent1">
+                <a:shade val="50000"/>
+              </a:schemeClr>
+            </a:lnRef>
+            <a:fillRef idx="1">
+              <a:schemeClr val="accent1"/>
+            </a:fillRef>
+            <a:effectRef idx="0">
+              <a:schemeClr val="accent1"/>
+            </a:effectRef>
+            <a:fontRef idx="minor">
+              <a:schemeClr val="lt1"/>
+            </a:fontRef>
+          </p:style>
+          <p:txBody>
+            <a:bodyPr rtlCol="0" anchor="ctr"/>
+            <a:lstStyle/>
+            <a:p>
+              <a:pPr algn="ctr"/>
+              <a:endParaRPr lang="ko-KR" altLang="en-US"/>
+            </a:p>
+          </p:txBody>
+        </p:sp>
+        <p:sp>
+          <p:nvSpPr>
+            <p:cNvPr id="37" name="육각형 36"/>
+            <p:cNvSpPr/>
+            <p:nvPr/>
+          </p:nvSpPr>
+          <p:spPr>
+            <a:xfrm rot="5400000">
+              <a:off x="3430169" y="2189700"/>
+              <a:ext cx="2498092" cy="2109669"/>
+            </a:xfrm>
+            <a:prstGeom prst="hexagon">
+              <a:avLst/>
+            </a:prstGeom>
+            <a:solidFill>
+              <a:schemeClr val="bg1"/>
+            </a:solidFill>
+            <a:ln>
+              <a:solidFill>
+                <a:schemeClr val="accent5">
+                  <a:lumMod val="75000"/>
+                </a:schemeClr>
+              </a:solidFill>
+            </a:ln>
+          </p:spPr>
+          <p:style>
+            <a:lnRef idx="2">
+              <a:schemeClr val="accent1">
+                <a:shade val="50000"/>
+              </a:schemeClr>
+            </a:lnRef>
+            <a:fillRef idx="1">
+              <a:schemeClr val="accent1"/>
+            </a:fillRef>
+            <a:effectRef idx="0">
+              <a:schemeClr val="accent1"/>
+            </a:effectRef>
+            <a:fontRef idx="minor">
+              <a:schemeClr val="lt1"/>
+            </a:fontRef>
+          </p:style>
+          <p:txBody>
+            <a:bodyPr rtlCol="0" anchor="ctr"/>
+            <a:lstStyle/>
+            <a:p>
+              <a:pPr algn="ctr"/>
+              <a:endParaRPr lang="ko-KR" altLang="en-US"/>
+            </a:p>
+          </p:txBody>
+        </p:sp>
+      </p:grpSp>
+      <p:grpSp>
+        <p:nvGrpSpPr>
+          <p:cNvPr id="21" name="그룹 20"/>
+          <p:cNvGrpSpPr/>
+          <p:nvPr/>
+        </p:nvGrpSpPr>
+        <p:grpSpPr>
+          <a:xfrm>
+            <a:off x="12644047" y="-5962650"/>
+            <a:ext cx="2374872" cy="2781300"/>
+            <a:chOff x="9458887" y="-323850"/>
+            <a:chExt cx="2374872" cy="2781300"/>
+          </a:xfrm>
+        </p:grpSpPr>
+        <p:grpSp>
+          <p:nvGrpSpPr>
+            <p:cNvPr id="32" name="그룹 31"/>
+            <p:cNvGrpSpPr/>
+            <p:nvPr/>
+          </p:nvGrpSpPr>
+          <p:grpSpPr>
+            <a:xfrm>
+              <a:off x="9458887" y="-323850"/>
+              <a:ext cx="2374872" cy="2781300"/>
+              <a:chOff x="3492528" y="1847850"/>
+              <a:chExt cx="2374872" cy="2781300"/>
+            </a:xfrm>
+          </p:grpSpPr>
+          <p:sp>
+            <p:nvSpPr>
+              <p:cNvPr id="34" name="육각형 33"/>
+              <p:cNvSpPr/>
+              <p:nvPr/>
+            </p:nvSpPr>
+            <p:spPr>
+              <a:xfrm rot="5400000">
+                <a:off x="3289314" y="2051064"/>
+                <a:ext cx="2781300" cy="2374872"/>
+              </a:xfrm>
+              <a:prstGeom prst="hexagon">
+                <a:avLst/>
+              </a:prstGeom>
+              <a:solidFill>
+                <a:srgbClr val="F58536"/>
+              </a:solidFill>
+              <a:ln>
+                <a:solidFill>
+                  <a:srgbClr val="F58536"/>
+                </a:solidFill>
+              </a:ln>
+            </p:spPr>
+            <p:style>
+              <a:lnRef idx="2">
+                <a:schemeClr val="accent1">
+                  <a:shade val="50000"/>
+                </a:schemeClr>
+              </a:lnRef>
+              <a:fillRef idx="1">
+                <a:schemeClr val="accent1"/>
+              </a:fillRef>
+              <a:effectRef idx="0">
+                <a:schemeClr val="accent1"/>
+              </a:effectRef>
+              <a:fontRef idx="minor">
+                <a:schemeClr val="lt1"/>
+              </a:fontRef>
+            </p:style>
+            <p:txBody>
+              <a:bodyPr rtlCol="0" anchor="ctr"/>
+              <a:lstStyle/>
+              <a:p>
+                <a:pPr algn="ctr"/>
+                <a:endParaRPr lang="ko-KR" altLang="en-US"/>
+              </a:p>
+            </p:txBody>
+          </p:sp>
+          <p:sp>
+            <p:nvSpPr>
+              <p:cNvPr id="35" name="육각형 34"/>
+              <p:cNvSpPr/>
+              <p:nvPr/>
+            </p:nvSpPr>
+            <p:spPr>
+              <a:xfrm rot="5400000">
+                <a:off x="3430169" y="2189700"/>
+                <a:ext cx="2498092" cy="2109669"/>
+              </a:xfrm>
+              <a:prstGeom prst="hexagon">
+                <a:avLst/>
+              </a:prstGeom>
+              <a:solidFill>
+                <a:schemeClr val="bg1"/>
+              </a:solidFill>
+              <a:ln>
+                <a:solidFill>
+                  <a:srgbClr val="F58536"/>
+                </a:solidFill>
+              </a:ln>
+            </p:spPr>
+            <p:style>
+              <a:lnRef idx="2">
+                <a:schemeClr val="accent1">
+                  <a:shade val="50000"/>
+                </a:schemeClr>
+              </a:lnRef>
+              <a:fillRef idx="1">
+                <a:schemeClr val="accent1"/>
+              </a:fillRef>
+              <a:effectRef idx="0">
+                <a:schemeClr val="accent1"/>
+              </a:effectRef>
+              <a:fontRef idx="minor">
+                <a:schemeClr val="lt1"/>
+              </a:fontRef>
+            </p:style>
+            <p:txBody>
+              <a:bodyPr rtlCol="0" anchor="ctr"/>
+              <a:lstStyle/>
+              <a:p>
+                <a:pPr algn="ctr"/>
+                <a:endParaRPr lang="ko-KR" altLang="en-US"/>
+              </a:p>
+            </p:txBody>
+          </p:sp>
+        </p:grpSp>
+        <p:pic>
+          <p:nvPicPr>
+            <p:cNvPr id="33" name="그림 32"/>
+            <p:cNvPicPr>
+              <a:picLocks noChangeAspect="1"/>
+            </p:cNvPicPr>
+            <p:nvPr/>
+          </p:nvPicPr>
+          <p:blipFill rotWithShape="1">
+            <a:blip r:embed="rId12">
+              <a:extLst>
+                <a:ext uri="{28A0092B-C50C-407E-A947-70E740481C1C}">
+                  <a14:useLocalDpi xmlns:a14="http://schemas.microsoft.com/office/drawing/2010/main" val="0"/>
+                </a:ext>
+              </a:extLst>
+            </a:blip>
+            <a:srcRect l="25136" r="26864"/>
+            <a:stretch/>
+          </p:blipFill>
+          <p:spPr>
+            <a:xfrm>
+              <a:off x="9707612" y="-94440"/>
+              <a:ext cx="1810512" cy="2409825"/>
+            </a:xfrm>
+            <a:prstGeom prst="rect">
+              <a:avLst/>
+            </a:prstGeom>
+          </p:spPr>
+        </p:pic>
+      </p:grpSp>
+      <p:grpSp>
+        <p:nvGrpSpPr>
+          <p:cNvPr id="22" name="그룹 21"/>
+          <p:cNvGrpSpPr/>
+          <p:nvPr/>
+        </p:nvGrpSpPr>
+        <p:grpSpPr>
+          <a:xfrm>
+            <a:off x="15026840" y="-5947410"/>
+            <a:ext cx="2374872" cy="2781300"/>
+            <a:chOff x="11826440" y="-323850"/>
+            <a:chExt cx="2374872" cy="2781300"/>
+          </a:xfrm>
+        </p:grpSpPr>
+        <p:grpSp>
+          <p:nvGrpSpPr>
+            <p:cNvPr id="28" name="그룹 27"/>
+            <p:cNvGrpSpPr/>
+            <p:nvPr/>
+          </p:nvGrpSpPr>
+          <p:grpSpPr>
+            <a:xfrm>
+              <a:off x="11826440" y="-323850"/>
+              <a:ext cx="2374872" cy="2781300"/>
+              <a:chOff x="3492528" y="1847850"/>
+              <a:chExt cx="2374872" cy="2781300"/>
+            </a:xfrm>
+            <a:solidFill>
+              <a:schemeClr val="bg1"/>
+            </a:solidFill>
+          </p:grpSpPr>
+          <p:sp>
+            <p:nvSpPr>
+              <p:cNvPr id="30" name="육각형 29"/>
+              <p:cNvSpPr/>
+              <p:nvPr/>
+            </p:nvSpPr>
+            <p:spPr>
+              <a:xfrm rot="5400000">
+                <a:off x="3289314" y="2051064"/>
+                <a:ext cx="2781300" cy="2374872"/>
+              </a:xfrm>
+              <a:prstGeom prst="hexagon">
+                <a:avLst/>
+              </a:prstGeom>
+              <a:solidFill>
+                <a:schemeClr val="accent4">
+                  <a:lumMod val="50000"/>
+                </a:schemeClr>
+              </a:solidFill>
+              <a:ln>
+                <a:solidFill>
+                  <a:srgbClr val="7F6000"/>
+                </a:solidFill>
+              </a:ln>
+            </p:spPr>
+            <p:style>
+              <a:lnRef idx="2">
+                <a:schemeClr val="accent1">
+                  <a:shade val="50000"/>
+                </a:schemeClr>
+              </a:lnRef>
+              <a:fillRef idx="1">
+                <a:schemeClr val="accent1"/>
+              </a:fillRef>
+              <a:effectRef idx="0">
+                <a:schemeClr val="accent1"/>
+              </a:effectRef>
+              <a:fontRef idx="minor">
+                <a:schemeClr val="lt1"/>
+              </a:fontRef>
+            </p:style>
+            <p:txBody>
+              <a:bodyPr rtlCol="0" anchor="ctr"/>
+              <a:lstStyle/>
+              <a:p>
+                <a:pPr algn="ctr"/>
+                <a:endParaRPr lang="ko-KR" altLang="en-US"/>
+              </a:p>
+            </p:txBody>
+          </p:sp>
+          <p:sp>
+            <p:nvSpPr>
+              <p:cNvPr id="31" name="육각형 30"/>
+              <p:cNvSpPr/>
+              <p:nvPr/>
+            </p:nvSpPr>
+            <p:spPr>
+              <a:xfrm rot="5400000">
+                <a:off x="3430169" y="2189700"/>
+                <a:ext cx="2498092" cy="2109669"/>
+              </a:xfrm>
+              <a:prstGeom prst="hexagon">
+                <a:avLst/>
+              </a:prstGeom>
+              <a:solidFill>
+                <a:schemeClr val="bg1">
+                  <a:lumMod val="95000"/>
+                </a:schemeClr>
+              </a:solidFill>
+              <a:ln>
+                <a:solidFill>
+                  <a:srgbClr val="7F6000"/>
+                </a:solidFill>
+              </a:ln>
+            </p:spPr>
+            <p:style>
+              <a:lnRef idx="2">
+                <a:schemeClr val="accent1">
+                  <a:shade val="50000"/>
+                </a:schemeClr>
+              </a:lnRef>
+              <a:fillRef idx="1">
+                <a:schemeClr val="accent1"/>
+              </a:fillRef>
+              <a:effectRef idx="0">
+                <a:schemeClr val="accent1"/>
+              </a:effectRef>
+              <a:fontRef idx="minor">
+                <a:schemeClr val="lt1"/>
+              </a:fontRef>
+            </p:style>
+            <p:txBody>
+              <a:bodyPr rtlCol="0" anchor="ctr"/>
+              <a:lstStyle/>
+              <a:p>
+                <a:pPr algn="ctr"/>
+                <a:endParaRPr lang="ko-KR" altLang="en-US"/>
+              </a:p>
+            </p:txBody>
+          </p:sp>
+        </p:grpSp>
+        <p:pic>
+          <p:nvPicPr>
+            <p:cNvPr id="29" name="그림 28"/>
+            <p:cNvPicPr>
+              <a:picLocks noChangeAspect="1"/>
+            </p:cNvPicPr>
+            <p:nvPr/>
+          </p:nvPicPr>
+          <p:blipFill>
+            <a:blip r:embed="rId13" cstate="print">
+              <a:extLst>
+                <a:ext uri="{28A0092B-C50C-407E-A947-70E740481C1C}">
+                  <a14:useLocalDpi xmlns:a14="http://schemas.microsoft.com/office/drawing/2010/main" val="0"/>
+                </a:ext>
+              </a:extLst>
+            </a:blip>
+            <a:stretch>
+              <a:fillRect/>
+            </a:stretch>
+          </p:blipFill>
+          <p:spPr>
+            <a:xfrm>
+              <a:off x="12045331" y="651123"/>
+              <a:ext cx="1907093" cy="796368"/>
+            </a:xfrm>
+            <a:prstGeom prst="rect">
+              <a:avLst/>
+            </a:prstGeom>
+            <a:ln>
+              <a:noFill/>
+            </a:ln>
+          </p:spPr>
+        </p:pic>
+      </p:grpSp>
+      <p:pic>
+        <p:nvPicPr>
+          <p:cNvPr id="23" name="그림 22"/>
+          <p:cNvPicPr>
+            <a:picLocks noChangeAspect="1"/>
+          </p:cNvPicPr>
+          <p:nvPr/>
+        </p:nvPicPr>
+        <p:blipFill>
+          <a:blip r:embed="rId14" cstate="print">
+            <a:extLst>
+              <a:ext uri="{28A0092B-C50C-407E-A947-70E740481C1C}">
+                <a14:useLocalDpi xmlns:a14="http://schemas.microsoft.com/office/drawing/2010/main" val="0"/>
+              </a:ext>
+            </a:extLst>
+          </a:blip>
+          <a:stretch>
+            <a:fillRect/>
+          </a:stretch>
+        </p:blipFill>
+        <p:spPr>
+          <a:xfrm>
+            <a:off x="13766449" y="-2897463"/>
+            <a:ext cx="2412123" cy="1065068"/>
+          </a:xfrm>
+          <a:prstGeom prst="rect">
+            <a:avLst/>
+          </a:prstGeom>
+        </p:spPr>
+      </p:pic>
+      <p:pic>
+        <p:nvPicPr>
+          <p:cNvPr id="24" name="그림 23"/>
+          <p:cNvPicPr>
+            <a:picLocks noChangeAspect="1"/>
+          </p:cNvPicPr>
+          <p:nvPr/>
+        </p:nvPicPr>
+        <p:blipFill rotWithShape="1">
+          <a:blip r:embed="rId15" cstate="print">
+            <a:extLst>
+              <a:ext uri="{28A0092B-C50C-407E-A947-70E740481C1C}">
+                <a14:useLocalDpi xmlns:a14="http://schemas.microsoft.com/office/drawing/2010/main" val="0"/>
+              </a:ext>
+            </a:extLst>
+          </a:blip>
+          <a:srcRect l="6995" t="39959" r="76708" b="37375"/>
+          <a:stretch/>
+        </p:blipFill>
+        <p:spPr>
+          <a:xfrm>
+            <a:off x="10317702" y="-829598"/>
+            <a:ext cx="2028444" cy="1880922"/>
+          </a:xfrm>
+          <a:prstGeom prst="rect">
+            <a:avLst/>
+          </a:prstGeom>
+        </p:spPr>
+      </p:pic>
+      <p:sp>
+        <p:nvSpPr>
+          <p:cNvPr id="25" name="TextBox 24"/>
+          <p:cNvSpPr txBox="1"/>
+          <p:nvPr/>
+        </p:nvSpPr>
+        <p:spPr>
+          <a:xfrm>
+            <a:off x="10259300" y="-1024863"/>
+            <a:ext cx="2430664" cy="523220"/>
+          </a:xfrm>
+          <a:prstGeom prst="rect">
+            <a:avLst/>
+          </a:prstGeom>
+          <a:noFill/>
+        </p:spPr>
+        <p:txBody>
+          <a:bodyPr wrap="square" rtlCol="0">
+            <a:spAutoFit/>
+          </a:bodyPr>
+          <a:lstStyle/>
+          <a:p>
+            <a:r>
+              <a:rPr lang="en-US" altLang="ko-KR" sz="2800" b="1" dirty="0" smtClean="0">
+                <a:solidFill>
+                  <a:schemeClr val="accent1">
+                    <a:lumMod val="50000"/>
+                  </a:schemeClr>
+                </a:solidFill>
+                <a:latin typeface="Franklin Gothic Heavy" panose="020B0903020102020204" pitchFamily="34" charset="0"/>
+              </a:rPr>
+              <a:t>Jira Software</a:t>
+            </a:r>
+            <a:endParaRPr lang="ko-KR" altLang="en-US" sz="2800" b="1" dirty="0">
+              <a:solidFill>
+                <a:schemeClr val="accent1">
+                  <a:lumMod val="50000"/>
+                </a:schemeClr>
+              </a:solidFill>
+              <a:latin typeface="Franklin Gothic Heavy" panose="020B0903020102020204" pitchFamily="34" charset="0"/>
+            </a:endParaRPr>
+          </a:p>
+        </p:txBody>
+      </p:sp>
+      <p:pic>
+        <p:nvPicPr>
+          <p:cNvPr id="26" name="그림 25"/>
+          <p:cNvPicPr>
+            <a:picLocks noChangeAspect="1"/>
+          </p:cNvPicPr>
+          <p:nvPr/>
+        </p:nvPicPr>
+        <p:blipFill>
+          <a:blip r:embed="rId16" cstate="print">
+            <a:extLst>
+              <a:ext uri="{28A0092B-C50C-407E-A947-70E740481C1C}">
+                <a14:useLocalDpi xmlns:a14="http://schemas.microsoft.com/office/drawing/2010/main" val="0"/>
+              </a:ext>
+            </a:extLst>
+          </a:blip>
+          <a:stretch>
+            <a:fillRect/>
+          </a:stretch>
+        </p:blipFill>
+        <p:spPr>
+          <a:xfrm>
+            <a:off x="13045652" y="-822688"/>
+            <a:ext cx="1504750" cy="1504750"/>
+          </a:xfrm>
+          <a:prstGeom prst="rect">
+            <a:avLst/>
+          </a:prstGeom>
+        </p:spPr>
+      </p:pic>
+      <p:sp>
+        <p:nvSpPr>
+          <p:cNvPr id="27" name="TextBox 26"/>
+          <p:cNvSpPr txBox="1"/>
+          <p:nvPr/>
+        </p:nvSpPr>
+        <p:spPr>
+          <a:xfrm>
+            <a:off x="13046186" y="-1072225"/>
+            <a:ext cx="1675056" cy="523220"/>
+          </a:xfrm>
+          <a:prstGeom prst="rect">
+            <a:avLst/>
+          </a:prstGeom>
+          <a:noFill/>
+        </p:spPr>
+        <p:txBody>
+          <a:bodyPr wrap="square" rtlCol="0">
+            <a:spAutoFit/>
+          </a:bodyPr>
+          <a:lstStyle/>
+          <a:p>
+            <a:r>
+              <a:rPr lang="en-US" altLang="ko-KR" sz="2800" b="1" dirty="0" err="1" smtClean="0">
+                <a:latin typeface="Franklin Gothic Heavy" panose="020B0903020102020204" pitchFamily="34" charset="0"/>
+              </a:rPr>
+              <a:t>MyBatis</a:t>
+            </a:r>
+            <a:endParaRPr lang="ko-KR" altLang="en-US" sz="2800" b="1" dirty="0">
+              <a:latin typeface="Franklin Gothic Heavy" panose="020B0903020102020204" pitchFamily="34" charset="0"/>
+            </a:endParaRPr>
+          </a:p>
+        </p:txBody>
+      </p:sp>
+      <p:grpSp>
+        <p:nvGrpSpPr>
+          <p:cNvPr id="92" name="그룹 91"/>
+          <p:cNvGrpSpPr/>
+          <p:nvPr/>
+        </p:nvGrpSpPr>
+        <p:grpSpPr>
+          <a:xfrm>
+            <a:off x="-5227442" y="1837409"/>
+            <a:ext cx="16526583" cy="7153948"/>
+            <a:chOff x="-5227442" y="1837409"/>
+            <a:chExt cx="16526583" cy="7153948"/>
+          </a:xfrm>
+        </p:grpSpPr>
+        <p:grpSp>
+          <p:nvGrpSpPr>
+            <p:cNvPr id="91" name="그룹 90"/>
+            <p:cNvGrpSpPr/>
+            <p:nvPr/>
+          </p:nvGrpSpPr>
+          <p:grpSpPr>
+            <a:xfrm>
+              <a:off x="-5227442" y="1837409"/>
+              <a:ext cx="16515160" cy="7153948"/>
+              <a:chOff x="-5227442" y="1837409"/>
+              <a:chExt cx="16515160" cy="7153948"/>
+            </a:xfrm>
+          </p:grpSpPr>
+          <p:pic>
+            <p:nvPicPr>
+              <p:cNvPr id="4" name="그림 3"/>
+              <p:cNvPicPr>
+                <a:picLocks noChangeAspect="1"/>
+              </p:cNvPicPr>
+              <p:nvPr/>
+            </p:nvPicPr>
+            <p:blipFill>
+              <a:blip r:embed="rId17">
+                <a:extLst>
+                  <a:ext uri="{28A0092B-C50C-407E-A947-70E740481C1C}">
+                    <a14:useLocalDpi xmlns:a14="http://schemas.microsoft.com/office/drawing/2010/main" val="0"/>
+                  </a:ext>
+                </a:extLst>
+              </a:blip>
+              <a:stretch>
+                <a:fillRect/>
+              </a:stretch>
+            </p:blipFill>
+            <p:spPr>
+              <a:xfrm>
+                <a:off x="-5227442" y="1837409"/>
+                <a:ext cx="16515160" cy="7153948"/>
+              </a:xfrm>
+              <a:prstGeom prst="rect">
+                <a:avLst/>
+              </a:prstGeom>
+            </p:spPr>
+          </p:pic>
+          <p:grpSp>
+            <p:nvGrpSpPr>
+              <p:cNvPr id="89" name="그룹 88"/>
+              <p:cNvGrpSpPr/>
+              <p:nvPr/>
+            </p:nvGrpSpPr>
+            <p:grpSpPr>
+              <a:xfrm>
+                <a:off x="-5227442" y="1837409"/>
+                <a:ext cx="2374872" cy="2781300"/>
+                <a:chOff x="10100282" y="4034217"/>
+                <a:chExt cx="2374872" cy="2781300"/>
+              </a:xfrm>
+            </p:grpSpPr>
+            <p:grpSp>
+              <p:nvGrpSpPr>
+                <p:cNvPr id="85" name="그룹 84"/>
+                <p:cNvGrpSpPr/>
+                <p:nvPr/>
+              </p:nvGrpSpPr>
+              <p:grpSpPr>
+                <a:xfrm>
+                  <a:off x="10100282" y="4034217"/>
+                  <a:ext cx="2374872" cy="2781300"/>
+                  <a:chOff x="3492528" y="1847850"/>
+                  <a:chExt cx="2374872" cy="2781300"/>
+                </a:xfrm>
+                <a:solidFill>
+                  <a:srgbClr val="2B2B2B"/>
+                </a:solidFill>
+              </p:grpSpPr>
+              <p:sp>
+                <p:nvSpPr>
+                  <p:cNvPr id="86" name="육각형 85"/>
+                  <p:cNvSpPr/>
+                  <p:nvPr/>
+                </p:nvSpPr>
+                <p:spPr>
+                  <a:xfrm rot="5400000">
+                    <a:off x="3289314" y="2051064"/>
+                    <a:ext cx="2781300" cy="2374872"/>
+                  </a:xfrm>
+                  <a:prstGeom prst="hexagon">
+                    <a:avLst/>
+                  </a:prstGeom>
+                  <a:solidFill>
+                    <a:srgbClr val="8AC621"/>
+                  </a:solidFill>
+                  <a:ln>
+                    <a:solidFill>
+                      <a:srgbClr val="8AC621"/>
+                    </a:solidFill>
+                  </a:ln>
+                </p:spPr>
+                <p:style>
+                  <a:lnRef idx="2">
+                    <a:schemeClr val="accent1">
+                      <a:shade val="50000"/>
+                    </a:schemeClr>
+                  </a:lnRef>
+                  <a:fillRef idx="1">
+                    <a:schemeClr val="accent1"/>
+                  </a:fillRef>
+                  <a:effectRef idx="0">
+                    <a:schemeClr val="accent1"/>
+                  </a:effectRef>
+                  <a:fontRef idx="minor">
+                    <a:schemeClr val="lt1"/>
+                  </a:fontRef>
+                </p:style>
+                <p:txBody>
+                  <a:bodyPr rtlCol="0" anchor="ctr"/>
+                  <a:lstStyle/>
+                  <a:p>
+                    <a:pPr algn="ctr"/>
+                    <a:endParaRPr lang="ko-KR" altLang="en-US"/>
+                  </a:p>
+                </p:txBody>
+              </p:sp>
+              <p:sp>
+                <p:nvSpPr>
+                  <p:cNvPr id="87" name="육각형 86"/>
+                  <p:cNvSpPr/>
+                  <p:nvPr/>
+                </p:nvSpPr>
+                <p:spPr>
+                  <a:xfrm rot="5400000">
+                    <a:off x="3430169" y="2189700"/>
+                    <a:ext cx="2498092" cy="2109669"/>
+                  </a:xfrm>
+                  <a:prstGeom prst="hexagon">
+                    <a:avLst/>
+                  </a:prstGeom>
+                  <a:grpFill/>
+                  <a:ln>
+                    <a:solidFill>
+                      <a:srgbClr val="2B2B2B"/>
+                    </a:solidFill>
+                  </a:ln>
+                </p:spPr>
+                <p:style>
+                  <a:lnRef idx="2">
+                    <a:schemeClr val="accent1">
+                      <a:shade val="50000"/>
+                    </a:schemeClr>
+                  </a:lnRef>
+                  <a:fillRef idx="1">
+                    <a:schemeClr val="accent1"/>
+                  </a:fillRef>
+                  <a:effectRef idx="0">
+                    <a:schemeClr val="accent1"/>
+                  </a:effectRef>
+                  <a:fontRef idx="minor">
+                    <a:schemeClr val="lt1"/>
+                  </a:fontRef>
+                </p:style>
+                <p:txBody>
+                  <a:bodyPr rtlCol="0" anchor="ctr"/>
+                  <a:lstStyle/>
+                  <a:p>
+                    <a:pPr algn="ctr"/>
+                    <a:endParaRPr lang="ko-KR" altLang="en-US"/>
+                  </a:p>
+                </p:txBody>
+              </p:sp>
+            </p:grpSp>
+            <p:pic>
+              <p:nvPicPr>
+                <p:cNvPr id="83" name="그림 82"/>
+                <p:cNvPicPr>
+                  <a:picLocks noChangeAspect="1"/>
+                </p:cNvPicPr>
+                <p:nvPr/>
+              </p:nvPicPr>
+              <p:blipFill>
+                <a:blip r:embed="rId18" cstate="print">
+                  <a:extLst>
+                    <a:ext uri="{28A0092B-C50C-407E-A947-70E740481C1C}">
+                      <a14:useLocalDpi xmlns:a14="http://schemas.microsoft.com/office/drawing/2010/main" val="0"/>
+                    </a:ext>
+                  </a:extLst>
+                </a:blip>
+                <a:stretch>
+                  <a:fillRect/>
+                </a:stretch>
+              </p:blipFill>
+              <p:spPr>
+                <a:xfrm>
+                  <a:off x="10271982" y="4769454"/>
+                  <a:ext cx="2063772" cy="1289857"/>
+                </a:xfrm>
+                <a:prstGeom prst="rect">
+                  <a:avLst/>
+                </a:prstGeom>
+              </p:spPr>
+            </p:pic>
+          </p:grpSp>
+        </p:grpSp>
+        <p:grpSp>
+          <p:nvGrpSpPr>
+            <p:cNvPr id="88" name="그룹 87"/>
+            <p:cNvGrpSpPr/>
+            <p:nvPr/>
+          </p:nvGrpSpPr>
+          <p:grpSpPr>
+            <a:xfrm>
+              <a:off x="8908229" y="6210057"/>
+              <a:ext cx="2390912" cy="2781300"/>
+              <a:chOff x="8908229" y="6210057"/>
+              <a:chExt cx="2390912" cy="2781300"/>
+            </a:xfrm>
+          </p:grpSpPr>
+          <p:grpSp>
+            <p:nvGrpSpPr>
+              <p:cNvPr id="6" name="그룹 5"/>
+              <p:cNvGrpSpPr/>
+              <p:nvPr/>
+            </p:nvGrpSpPr>
+            <p:grpSpPr>
+              <a:xfrm>
+                <a:off x="8924269" y="6210057"/>
+                <a:ext cx="2374872" cy="2781300"/>
+                <a:chOff x="3492528" y="1847850"/>
+                <a:chExt cx="2374872" cy="2781300"/>
+              </a:xfrm>
+            </p:grpSpPr>
+            <p:sp>
+              <p:nvSpPr>
+                <p:cNvPr id="81" name="육각형 80"/>
+                <p:cNvSpPr/>
+                <p:nvPr/>
+              </p:nvSpPr>
+              <p:spPr>
+                <a:xfrm rot="5400000">
+                  <a:off x="3289314" y="2051064"/>
+                  <a:ext cx="2781300" cy="2374872"/>
+                </a:xfrm>
+                <a:prstGeom prst="hexagon">
+                  <a:avLst/>
+                </a:prstGeom>
+                <a:solidFill>
+                  <a:srgbClr val="FFCA2B"/>
+                </a:solidFill>
+                <a:ln>
+                  <a:solidFill>
+                    <a:srgbClr val="FFCA2B"/>
+                  </a:solidFill>
+                </a:ln>
+              </p:spPr>
+              <p:style>
+                <a:lnRef idx="2">
+                  <a:schemeClr val="accent1">
+                    <a:shade val="50000"/>
+                  </a:schemeClr>
+                </a:lnRef>
+                <a:fillRef idx="1">
+                  <a:schemeClr val="accent1"/>
+                </a:fillRef>
+                <a:effectRef idx="0">
+                  <a:schemeClr val="accent1"/>
+                </a:effectRef>
+                <a:fontRef idx="minor">
+                  <a:schemeClr val="lt1"/>
+                </a:fontRef>
+              </p:style>
+              <p:txBody>
+                <a:bodyPr rtlCol="0" anchor="ctr"/>
+                <a:lstStyle/>
+                <a:p>
+                  <a:pPr algn="ctr"/>
+                  <a:endParaRPr lang="ko-KR" altLang="en-US"/>
+                </a:p>
+              </p:txBody>
+            </p:sp>
+            <p:sp>
+              <p:nvSpPr>
+                <p:cNvPr id="82" name="육각형 81"/>
+                <p:cNvSpPr/>
+                <p:nvPr/>
+              </p:nvSpPr>
+              <p:spPr>
+                <a:xfrm rot="5400000">
+                  <a:off x="3430169" y="2189700"/>
+                  <a:ext cx="2498092" cy="2109669"/>
+                </a:xfrm>
+                <a:prstGeom prst="hexagon">
+                  <a:avLst/>
+                </a:prstGeom>
+                <a:solidFill>
+                  <a:schemeClr val="bg1">
+                    <a:lumMod val="95000"/>
+                  </a:schemeClr>
+                </a:solidFill>
+                <a:ln>
+                  <a:solidFill>
+                    <a:schemeClr val="accent4"/>
+                  </a:solidFill>
+                </a:ln>
+              </p:spPr>
+              <p:style>
+                <a:lnRef idx="2">
+                  <a:schemeClr val="accent1">
+                    <a:shade val="50000"/>
+                  </a:schemeClr>
+                </a:lnRef>
+                <a:fillRef idx="1">
+                  <a:schemeClr val="accent1"/>
+                </a:fillRef>
+                <a:effectRef idx="0">
+                  <a:schemeClr val="accent1"/>
+                </a:effectRef>
+                <a:fontRef idx="minor">
+                  <a:schemeClr val="lt1"/>
+                </a:fontRef>
+              </p:style>
+              <p:txBody>
+                <a:bodyPr rtlCol="0" anchor="ctr"/>
+                <a:lstStyle/>
+                <a:p>
+                  <a:pPr algn="ctr"/>
+                  <a:endParaRPr lang="ko-KR" altLang="en-US"/>
+                </a:p>
+              </p:txBody>
+            </p:sp>
+          </p:grpSp>
+          <p:pic>
+            <p:nvPicPr>
+              <p:cNvPr id="84" name="그림 83"/>
+              <p:cNvPicPr>
+                <a:picLocks noChangeAspect="1"/>
+              </p:cNvPicPr>
+              <p:nvPr/>
+            </p:nvPicPr>
+            <p:blipFill>
+              <a:blip r:embed="rId19" cstate="print">
+                <a:extLst>
+                  <a:ext uri="{28A0092B-C50C-407E-A947-70E740481C1C}">
+                    <a14:useLocalDpi xmlns:a14="http://schemas.microsoft.com/office/drawing/2010/main" val="0"/>
+                  </a:ext>
+                </a:extLst>
+              </a:blip>
+              <a:stretch>
+                <a:fillRect/>
+              </a:stretch>
+            </p:blipFill>
+            <p:spPr>
+              <a:xfrm>
+                <a:off x="8908229" y="7197066"/>
+                <a:ext cx="2348455" cy="807282"/>
+              </a:xfrm>
+              <a:prstGeom prst="rect">
+                <a:avLst/>
+              </a:prstGeom>
+            </p:spPr>
+          </p:pic>
+        </p:grpSp>
+      </p:grpSp>
+    </p:spTree>
+    <p:extLst>
+      <p:ext uri="{BB962C8B-B14F-4D97-AF65-F5344CB8AC3E}">
+        <p14:creationId xmlns:p14="http://schemas.microsoft.com/office/powerpoint/2010/main" val="2070479909"/>
+      </p:ext>
+    </p:extLst>
+  </p:cSld>
+  <p:clrMapOvr>
+    <a:masterClrMapping/>
+  </p:clrMapOvr>
+</p:sld>
+</file>
+
 <file path=ppt/theme/theme1.xml><?xml version="1.0" encoding="utf-8"?>
 <a:theme xmlns:a="http://schemas.openxmlformats.org/drawingml/2006/main" name="Office 테마">
   <a:themeElements>
